--- a/doc/timed-rdmsim.pptx
+++ b/doc/timed-rdmsim.pptx
@@ -13,6 +13,7 @@
     <p:sldId id="262" r:id="rId7"/>
     <p:sldId id="263" r:id="rId8"/>
     <p:sldId id="257" r:id="rId9"/>
+    <p:sldId id="264" r:id="rId10"/>
   </p:sldIdLst>
   <p:sldSz cx="12192000" cy="6858000"/>
   <p:notesSz cx="6858000" cy="9144000"/>
@@ -111,6 +112,11 @@
       </a:defRPr>
     </a:lvl9pPr>
   </p:defaultTextStyle>
+  <p:extLst>
+    <p:ext uri="{EFAFB233-063F-42B5-8137-9DF3F51BA10A}">
+      <p15:sldGuideLst xmlns:p15="http://schemas.microsoft.com/office/powerpoint/2012/main"/>
+    </p:ext>
+  </p:extLst>
 </p:presentation>
 </file>
 
@@ -1457,7 +1463,7 @@
           <a:p>
             <a:fld id="{72B82B04-3C2A-47AF-AB9A-746301007D0E}" type="datetimeFigureOut">
               <a:rPr lang="de-DE" smtClean="0"/>
-              <a:t>14.05.2023</a:t>
+              <a:t>05.06.2023</a:t>
             </a:fld>
             <a:endParaRPr lang="de-DE"/>
           </a:p>
@@ -2161,7 +2167,7 @@
           <a:p>
             <a:fld id="{72B82B04-3C2A-47AF-AB9A-746301007D0E}" type="datetimeFigureOut">
               <a:rPr lang="de-DE" smtClean="0"/>
-              <a:t>14.05.2023</a:t>
+              <a:t>05.06.2023</a:t>
             </a:fld>
             <a:endParaRPr lang="de-DE"/>
           </a:p>
@@ -2365,7 +2371,7 @@
           <a:p>
             <a:fld id="{72B82B04-3C2A-47AF-AB9A-746301007D0E}" type="datetimeFigureOut">
               <a:rPr lang="de-DE" smtClean="0"/>
-              <a:t>14.05.2023</a:t>
+              <a:t>05.06.2023</a:t>
             </a:fld>
             <a:endParaRPr lang="de-DE"/>
           </a:p>
@@ -2569,7 +2575,7 @@
           <a:p>
             <a:fld id="{72B82B04-3C2A-47AF-AB9A-746301007D0E}" type="datetimeFigureOut">
               <a:rPr lang="de-DE" smtClean="0"/>
-              <a:t>14.05.2023</a:t>
+              <a:t>05.06.2023</a:t>
             </a:fld>
             <a:endParaRPr lang="de-DE"/>
           </a:p>
@@ -2813,7 +2819,7 @@
           <a:p>
             <a:fld id="{72B82B04-3C2A-47AF-AB9A-746301007D0E}" type="datetimeFigureOut">
               <a:rPr lang="de-DE" smtClean="0"/>
-              <a:t>14.05.2023</a:t>
+              <a:t>05.06.2023</a:t>
             </a:fld>
             <a:endParaRPr lang="de-DE"/>
           </a:p>
@@ -4244,18 +4250,47 @@
               <a:defRPr/>
             </a:pPr>
             <a:r>
-              <a:rPr lang="de-DE" sz="800" dirty="0">
+              <a:rPr lang="de-DE" sz="800" dirty="0" err="1" smtClean="0">
                 <a:solidFill>
                   <a:schemeClr val="bg2"/>
                 </a:solidFill>
               </a:rPr>
-              <a:t>Titel der Präsentation</a:t>
-            </a:r>
+              <a:t>Timed</a:t>
+            </a:r>
+            <a:r>
+              <a:rPr lang="de-DE" sz="800" baseline="0" dirty="0" smtClean="0">
+                <a:solidFill>
+                  <a:schemeClr val="bg2"/>
+                </a:solidFill>
+              </a:rPr>
+              <a:t> Remote Data </a:t>
+            </a:r>
+            <a:r>
+              <a:rPr lang="de-DE" sz="800" baseline="0" dirty="0" err="1" smtClean="0">
+                <a:solidFill>
+                  <a:schemeClr val="bg2"/>
+                </a:solidFill>
+              </a:rPr>
+              <a:t>Mirroring</a:t>
+            </a:r>
+            <a:r>
+              <a:rPr lang="de-DE" sz="800" baseline="0" dirty="0" smtClean="0">
+                <a:solidFill>
+                  <a:schemeClr val="bg2"/>
+                </a:solidFill>
+              </a:rPr>
+              <a:t> Simulator</a:t>
+            </a:r>
+            <a:endParaRPr lang="de-DE" sz="800" dirty="0">
+              <a:solidFill>
+                <a:schemeClr val="bg2"/>
+              </a:solidFill>
+            </a:endParaRPr>
           </a:p>
           <a:p>
             <a:pPr algn="l"/>
             <a:r>
-              <a:rPr lang="de-DE" sz="800" dirty="0">
+              <a:rPr lang="de-DE" sz="800" dirty="0" smtClean="0">
                 <a:solidFill>
                   <a:schemeClr val="bg2"/>
                 </a:solidFill>
@@ -4264,7 +4299,7 @@
                 <a:cs typeface="Open Sans" panose="020B0606030504020204" pitchFamily="34" charset="0"/>
                 <a:sym typeface="Wingdings" panose="05000000000000000000" pitchFamily="2" charset="2"/>
               </a:rPr>
-              <a:t>Prof. Uwe Aßmann</a:t>
+              <a:t>Dr. Sebastian Götz</a:t>
             </a:r>
             <a:endParaRPr lang="de-DE" sz="800" baseline="0" dirty="0">
               <a:solidFill>
@@ -4484,8 +4519,8 @@
         </p:blipFill>
         <p:spPr>
           <a:xfrm>
-            <a:off x="10760382" y="6273051"/>
-            <a:ext cx="1160113" cy="396000"/>
+            <a:off x="11025398" y="6273051"/>
+            <a:ext cx="895097" cy="396000"/>
           </a:xfrm>
           <a:prstGeom prst="rect">
             <a:avLst/>
@@ -4514,8 +4549,8 @@
         </p:blipFill>
         <p:spPr>
           <a:xfrm>
-            <a:off x="517525" y="6288297"/>
-            <a:ext cx="1514475" cy="330309"/>
+            <a:off x="517526" y="6288297"/>
+            <a:ext cx="1169664" cy="330309"/>
           </a:xfrm>
           <a:prstGeom prst="rect">
             <a:avLst/>
@@ -4808,282 +4843,282 @@
   <p:extLst mod="1">
     <p:ext uri="{27BBF7A9-308A-43DC-89C8-2F10F3537804}">
       <p15:sldGuideLst xmlns:p15="http://schemas.microsoft.com/office/powerpoint/2012/main">
-        <p15:guide id="4294967295" pos="173">
+        <p15:guide id="1" pos="173">
           <p15:clr>
             <a:srgbClr val="F26B43"/>
           </p15:clr>
         </p15:guide>
-        <p15:guide id="4294967295" pos="243">
+        <p15:guide id="2" pos="243">
           <p15:clr>
             <a:srgbClr val="F26B43"/>
           </p15:clr>
         </p15:guide>
-        <p15:guide id="4294967295" pos="660">
+        <p15:guide id="3" pos="660">
           <p15:clr>
             <a:srgbClr val="F26B43"/>
           </p15:clr>
         </p15:guide>
-        <p15:guide id="4294967295" pos="726">
+        <p15:guide id="4" pos="726">
           <p15:clr>
             <a:srgbClr val="F26B43"/>
           </p15:clr>
         </p15:guide>
-        <p15:guide id="4294967295" pos="1146">
+        <p15:guide id="5" pos="1146">
           <p15:clr>
             <a:srgbClr val="F26B43"/>
           </p15:clr>
         </p15:guide>
-        <p15:guide id="4294967295" pos="1212">
+        <p15:guide id="6" pos="1212">
           <p15:clr>
             <a:srgbClr val="F26B43"/>
           </p15:clr>
         </p15:guide>
-        <p15:guide id="4294967295" pos="1701">
+        <p15:guide id="7" pos="1701">
           <p15:clr>
             <a:srgbClr val="F26B43"/>
           </p15:clr>
         </p15:guide>
-        <p15:guide id="4294967295" pos="1632">
+        <p15:guide id="8" pos="1632">
           <p15:clr>
             <a:srgbClr val="F26B43"/>
           </p15:clr>
         </p15:guide>
-        <p15:guide id="4294967295" pos="2184">
+        <p15:guide id="9" pos="2184">
           <p15:clr>
             <a:srgbClr val="F26B43"/>
           </p15:clr>
         </p15:guide>
-        <p15:guide id="4294967295" pos="2117">
+        <p15:guide id="10" pos="2117">
           <p15:clr>
             <a:srgbClr val="F26B43"/>
           </p15:clr>
         </p15:guide>
-        <p15:guide id="4294967295" pos="2604">
+        <p15:guide id="11" pos="2604">
           <p15:clr>
             <a:srgbClr val="F26B43"/>
           </p15:clr>
         </p15:guide>
-        <p15:guide id="4294967295" pos="2672">
+        <p15:guide id="12" pos="2672">
           <p15:clr>
             <a:srgbClr val="F26B43"/>
           </p15:clr>
         </p15:guide>
-        <p15:guide id="4294967295" pos="3089">
+        <p15:guide id="13" pos="3089">
           <p15:clr>
             <a:srgbClr val="F26B43"/>
           </p15:clr>
         </p15:guide>
-        <p15:guide id="4294967295" pos="3158">
+        <p15:guide id="14" pos="3158">
           <p15:clr>
             <a:srgbClr val="F26B43"/>
           </p15:clr>
         </p15:guide>
-        <p15:guide id="4294967295" pos="3575">
+        <p15:guide id="15" pos="3575">
           <p15:clr>
             <a:srgbClr val="F26B43"/>
           </p15:clr>
         </p15:guide>
-        <p15:guide id="4294967295" pos="3642">
+        <p15:guide id="16" pos="3642">
           <p15:clr>
             <a:srgbClr val="F26B43"/>
           </p15:clr>
         </p15:guide>
-        <p15:guide id="4294967295" pos="3887">
+        <p15:guide id="17" pos="3887">
           <p15:clr>
             <a:srgbClr val="F26B43"/>
           </p15:clr>
         </p15:guide>
-        <p15:guide id="4294967295" pos="3818">
+        <p15:guide id="18" pos="3818">
           <p15:clr>
             <a:srgbClr val="F26B43"/>
           </p15:clr>
         </p15:guide>
-        <p15:guide id="4294967295" pos="4061">
+        <p15:guide id="19" pos="4061">
           <p15:clr>
             <a:srgbClr val="F26B43"/>
           </p15:clr>
         </p15:guide>
-        <p15:guide id="4294967295" pos="4130">
+        <p15:guide id="20" pos="4130">
           <p15:clr>
             <a:srgbClr val="F26B43"/>
           </p15:clr>
         </p15:guide>
-        <p15:guide id="4294967295" pos="4545">
+        <p15:guide id="21" pos="4545">
           <p15:clr>
             <a:srgbClr val="F26B43"/>
           </p15:clr>
         </p15:guide>
-        <p15:guide id="4294967295" pos="4614">
+        <p15:guide id="22" pos="4614">
           <p15:clr>
             <a:srgbClr val="F26B43"/>
           </p15:clr>
         </p15:guide>
-        <p15:guide id="4294967295" pos="5031">
+        <p15:guide id="23" pos="5031">
           <p15:clr>
             <a:srgbClr val="F26B43"/>
           </p15:clr>
         </p15:guide>
-        <p15:guide id="4294967295" pos="5100">
+        <p15:guide id="24" pos="5100">
           <p15:clr>
             <a:srgbClr val="F26B43"/>
           </p15:clr>
         </p15:guide>
-        <p15:guide id="4294967295" pos="5586">
+        <p15:guide id="25" pos="5586">
           <p15:clr>
             <a:srgbClr val="F26B43"/>
           </p15:clr>
         </p15:guide>
-        <p15:guide id="4294967295" pos="5517">
+        <p15:guide id="26" pos="5517">
           <p15:clr>
             <a:srgbClr val="F26B43"/>
           </p15:clr>
         </p15:guide>
-        <p15:guide id="4294967295" orient="horz" pos="727">
+        <p15:guide id="27" orient="horz" pos="727">
           <p15:clr>
             <a:srgbClr val="F26B43"/>
           </p15:clr>
         </p15:guide>
-        <p15:guide id="4294967295" pos="416">
+        <p15:guide id="28" pos="416">
           <p15:clr>
             <a:srgbClr val="F26B43"/>
           </p15:clr>
         </p15:guide>
-        <p15:guide id="4294967295" pos="483">
+        <p15:guide id="29" pos="483">
           <p15:clr>
             <a:srgbClr val="F26B43"/>
           </p15:clr>
         </p15:guide>
-        <p15:guide id="4294967295" pos="903">
+        <p15:guide id="30" pos="903">
           <p15:clr>
             <a:srgbClr val="F26B43"/>
           </p15:clr>
         </p15:guide>
-        <p15:guide id="4294967295" pos="971">
+        <p15:guide id="31" pos="971">
           <p15:clr>
             <a:srgbClr val="F26B43"/>
           </p15:clr>
         </p15:guide>
-        <p15:guide id="4294967295" pos="1389">
+        <p15:guide id="32" pos="1389">
           <p15:clr>
             <a:srgbClr val="F26B43"/>
           </p15:clr>
         </p15:guide>
-        <p15:guide id="4294967295" pos="1457">
+        <p15:guide id="33" pos="1457">
           <p15:clr>
             <a:srgbClr val="F26B43"/>
           </p15:clr>
         </p15:guide>
-        <p15:guide id="4294967295" pos="1875">
+        <p15:guide id="34" pos="1875">
           <p15:clr>
             <a:srgbClr val="F26B43"/>
           </p15:clr>
         </p15:guide>
-        <p15:guide id="4294967295" pos="1941">
+        <p15:guide id="35" pos="1941">
           <p15:clr>
             <a:srgbClr val="F26B43"/>
           </p15:clr>
         </p15:guide>
-        <p15:guide id="4294967295" pos="2358">
+        <p15:guide id="36" pos="2358">
           <p15:clr>
             <a:srgbClr val="F26B43"/>
           </p15:clr>
         </p15:guide>
-        <p15:guide id="4294967295" pos="2429">
+        <p15:guide id="37" pos="2429">
           <p15:clr>
             <a:srgbClr val="F26B43"/>
           </p15:clr>
         </p15:guide>
-        <p15:guide id="4294967295" pos="2847">
+        <p15:guide id="38" pos="2847">
           <p15:clr>
             <a:srgbClr val="F26B43"/>
           </p15:clr>
         </p15:guide>
-        <p15:guide id="4294967295" pos="2913">
+        <p15:guide id="39" pos="2913">
           <p15:clr>
             <a:srgbClr val="F26B43"/>
           </p15:clr>
         </p15:guide>
-        <p15:guide id="4294967295" pos="3330">
+        <p15:guide id="40" pos="3330">
           <p15:clr>
             <a:srgbClr val="F26B43"/>
           </p15:clr>
         </p15:guide>
-        <p15:guide id="4294967295" pos="3398">
+        <p15:guide id="41" pos="3398">
           <p15:clr>
             <a:srgbClr val="F26B43"/>
           </p15:clr>
         </p15:guide>
-        <p15:guide id="4294967295" pos="4302">
+        <p15:guide id="42" pos="4302">
           <p15:clr>
             <a:srgbClr val="F26B43"/>
           </p15:clr>
         </p15:guide>
-        <p15:guide id="4294967295" pos="4373">
+        <p15:guide id="43" pos="4373">
           <p15:clr>
             <a:srgbClr val="F26B43"/>
           </p15:clr>
         </p15:guide>
-        <p15:guide id="4294967295" pos="4787">
+        <p15:guide id="44" pos="4787">
           <p15:clr>
             <a:srgbClr val="F26B43"/>
           </p15:clr>
         </p15:guide>
-        <p15:guide id="4294967295" pos="4859">
+        <p15:guide id="45" pos="4859">
           <p15:clr>
             <a:srgbClr val="F26B43"/>
           </p15:clr>
         </p15:guide>
-        <p15:guide id="4294967295" pos="5274">
+        <p15:guide id="46" pos="5274">
           <p15:clr>
             <a:srgbClr val="F26B43"/>
           </p15:clr>
         </p15:guide>
-        <p15:guide id="4294967295" pos="5345">
+        <p15:guide id="47" pos="5345">
           <p15:clr>
             <a:srgbClr val="F26B43"/>
           </p15:clr>
         </p15:guide>
-        <p15:guide id="4294967295" orient="horz" pos="3612">
+        <p15:guide id="48" orient="horz" pos="3612">
           <p15:clr>
             <a:srgbClr val="F26B43"/>
           </p15:clr>
         </p15:guide>
-        <p15:guide id="4294967295" orient="horz" pos="3838">
+        <p15:guide id="49" orient="horz" pos="3838">
           <p15:clr>
             <a:srgbClr val="F26B43"/>
           </p15:clr>
         </p15:guide>
-        <p15:guide id="4294967295" orient="horz" pos="935">
+        <p15:guide id="50" orient="horz" pos="935">
           <p15:clr>
             <a:srgbClr val="F26B43"/>
           </p15:clr>
         </p15:guide>
-        <p15:guide id="4294967295" orient="horz" pos="221">
+        <p15:guide id="51" orient="horz" pos="221">
           <p15:clr>
             <a:srgbClr val="F26B43"/>
           </p15:clr>
         </p15:guide>
-        <p15:guide id="4294967295" orient="horz" pos="3962">
+        <p15:guide id="52" orient="horz" pos="3962">
           <p15:clr>
             <a:srgbClr val="F26B43"/>
           </p15:clr>
         </p15:guide>
-        <p15:guide id="4294967295" orient="horz" pos="4167">
+        <p15:guide id="53" orient="horz" pos="4167">
           <p15:clr>
             <a:srgbClr val="F26B43"/>
           </p15:clr>
         </p15:guide>
-        <p15:guide id="4294967295" orient="horz" pos="619">
+        <p15:guide id="54" orient="horz" pos="619">
           <p15:clr>
             <a:srgbClr val="F26B43"/>
           </p15:clr>
         </p15:guide>
-        <p15:guide id="4294967295" orient="horz" pos="490">
+        <p15:guide id="55" orient="horz" pos="490">
           <p15:clr>
             <a:srgbClr val="F26B43"/>
           </p15:clr>
         </p15:guide>
-        <p15:guide id="4294967295" orient="horz" pos="4088">
+        <p15:guide id="56" orient="horz" pos="4088">
           <p15:clr>
             <a:srgbClr val="F26B43"/>
           </p15:clr>
@@ -7076,32 +7111,6 @@
           <a:chExt cx="0" cy="0"/>
         </a:xfrm>
       </p:grpSpPr>
-      <p:pic>
-        <p:nvPicPr>
-          <p:cNvPr id="4" name="Inhaltsplatzhalter 3"/>
-          <p:cNvPicPr>
-            <a:picLocks noGrp="1" noChangeAspect="1"/>
-          </p:cNvPicPr>
-          <p:nvPr>
-            <p:ph sz="quarter" idx="10"/>
-          </p:nvPr>
-        </p:nvPicPr>
-        <p:blipFill>
-          <a:blip r:embed="rId2"/>
-          <a:stretch>
-            <a:fillRect/>
-          </a:stretch>
-        </p:blipFill>
-        <p:spPr>
-          <a:xfrm>
-            <a:off x="3749031" y="206474"/>
-            <a:ext cx="8093265" cy="5841901"/>
-          </a:xfrm>
-          <a:prstGeom prst="rect">
-            <a:avLst/>
-          </a:prstGeom>
-        </p:spPr>
-      </p:pic>
       <p:sp>
         <p:nvSpPr>
           <p:cNvPr id="3" name="Titel 2"/>
@@ -7421,6 +7430,35 @@
           </a:p>
         </p:txBody>
       </p:sp>
+      <p:pic>
+        <p:nvPicPr>
+          <p:cNvPr id="6" name="Inhaltsplatzhalter 5"/>
+          <p:cNvPicPr>
+            <a:picLocks noGrp="1" noChangeAspect="1"/>
+          </p:cNvPicPr>
+          <p:nvPr>
+            <p:ph sz="quarter" idx="10"/>
+          </p:nvPr>
+        </p:nvPicPr>
+        <p:blipFill>
+          <a:blip r:embed="rId2">
+            <a:extLst>
+              <a:ext uri="{28A0092B-C50C-407E-A947-70E740481C1C}">
+                <a14:useLocalDpi xmlns:a14="http://schemas.microsoft.com/office/drawing/2010/main" val="0"/>
+              </a:ext>
+            </a:extLst>
+          </a:blip>
+          <a:stretch>
+            <a:fillRect/>
+          </a:stretch>
+        </p:blipFill>
+        <p:spPr>
+          <a:xfrm>
+            <a:off x="4094389" y="0"/>
+            <a:ext cx="8042124" cy="6031593"/>
+          </a:xfrm>
+        </p:spPr>
+      </p:pic>
     </p:spTree>
     <p:extLst>
       <p:ext uri="{BB962C8B-B14F-4D97-AF65-F5344CB8AC3E}">
@@ -8335,10 +8373,87 @@
               <a:t>TimedRDMSim</a:t>
             </a:r>
             <a:r>
+              <a:rPr lang="de-DE" dirty="0" smtClean="0">
+                <a:latin typeface="Consolas" panose="020B0609020204030204" pitchFamily="49" charset="0"/>
+              </a:rPr>
+              <a:t>(„</a:t>
+            </a:r>
+            <a:r>
+              <a:rPr lang="de-DE" dirty="0" err="1" smtClean="0">
+                <a:latin typeface="Consolas" panose="020B0609020204030204" pitchFamily="49" charset="0"/>
+              </a:rPr>
+              <a:t>resources</a:t>
+            </a:r>
+            <a:r>
+              <a:rPr lang="de-DE" dirty="0" smtClean="0">
+                <a:latin typeface="Consolas" panose="020B0609020204030204" pitchFamily="49" charset="0"/>
+              </a:rPr>
+              <a:t>/</a:t>
+            </a:r>
+            <a:r>
+              <a:rPr lang="de-DE" dirty="0" err="1" smtClean="0">
+                <a:latin typeface="Consolas" panose="020B0609020204030204" pitchFamily="49" charset="0"/>
+              </a:rPr>
+              <a:t>sim.conf</a:t>
+            </a:r>
+            <a:r>
+              <a:rPr lang="de-DE" dirty="0" smtClean="0">
+                <a:latin typeface="Consolas" panose="020B0609020204030204" pitchFamily="49" charset="0"/>
+              </a:rPr>
+              <a:t>“);</a:t>
+            </a:r>
+            <a:br>
+              <a:rPr lang="de-DE" dirty="0" smtClean="0">
+                <a:latin typeface="Consolas" panose="020B0609020204030204" pitchFamily="49" charset="0"/>
+              </a:rPr>
+            </a:br>
+            <a:r>
+              <a:rPr lang="de-DE" dirty="0" smtClean="0">
+                <a:latin typeface="Consolas" panose="020B0609020204030204" pitchFamily="49" charset="0"/>
+              </a:rPr>
+              <a:t>  </a:t>
+            </a:r>
+            <a:r>
+              <a:rPr lang="de-DE" dirty="0" err="1" smtClean="0">
+                <a:latin typeface="Consolas" panose="020B0609020204030204" pitchFamily="49" charset="0"/>
+              </a:rPr>
+              <a:t>sim.initialize</a:t>
+            </a:r>
+            <a:r>
+              <a:rPr lang="de-DE" dirty="0" smtClean="0">
+                <a:latin typeface="Consolas" panose="020B0609020204030204" pitchFamily="49" charset="0"/>
+              </a:rPr>
+              <a:t>(</a:t>
+            </a:r>
+            <a:r>
+              <a:rPr lang="de-DE" dirty="0" err="1" smtClean="0">
+                <a:latin typeface="Consolas" panose="020B0609020204030204" pitchFamily="49" charset="0"/>
+              </a:rPr>
+              <a:t>new</a:t>
+            </a:r>
+            <a:r>
+              <a:rPr lang="de-DE" dirty="0" smtClean="0">
+                <a:latin typeface="Consolas" panose="020B0609020204030204" pitchFamily="49" charset="0"/>
+              </a:rPr>
+              <a:t> </a:t>
+            </a:r>
+            <a:r>
+              <a:rPr lang="de-DE" dirty="0" err="1" smtClean="0">
+                <a:latin typeface="Consolas" panose="020B0609020204030204" pitchFamily="49" charset="0"/>
+              </a:rPr>
+              <a:t>NextNTopologyStrategy</a:t>
+            </a:r>
+            <a:r>
+              <a:rPr lang="de-DE" dirty="0" smtClean="0">
+                <a:latin typeface="Consolas" panose="020B0609020204030204" pitchFamily="49" charset="0"/>
+              </a:rPr>
+              <a:t>());</a:t>
+            </a:r>
+            <a:r>
               <a:rPr lang="de-DE" dirty="0">
                 <a:latin typeface="Consolas" panose="020B0609020204030204" pitchFamily="49" charset="0"/>
               </a:rPr>
-              <a:t>();</a:t>
+              <a:t/>
             </a:r>
             <a:br>
               <a:rPr lang="de-DE" dirty="0">
@@ -9233,7 +9348,6 @@
               <a:rPr lang="de-DE" dirty="0"/>
               <a:t>5</a:t>
             </a:r>
-            <a:endParaRPr lang="de-DE" dirty="0"/>
           </a:p>
         </p:txBody>
       </p:sp>
@@ -9709,7 +9823,6 @@
                 <a:rPr lang="de-DE" dirty="0"/>
                 <a:t>5</a:t>
               </a:r>
-              <a:endParaRPr lang="de-DE" dirty="0"/>
             </a:p>
           </p:txBody>
         </p:sp>
@@ -11014,7 +11127,7 @@
             <p:spPr>
               <a:xfrm>
                 <a:off x="1042833" y="4371927"/>
-                <a:ext cx="2369559" cy="292131"/>
+                <a:ext cx="2731773" cy="292131"/>
               </a:xfrm>
               <a:prstGeom prst="rect">
                 <a:avLst/>
@@ -11057,7 +11170,7 @@
                       <a:rPr lang="de-DE" b="0" i="1" smtClean="0">
                         <a:latin typeface="Cambria Math" panose="02040503050406030204" pitchFamily="18" charset="0"/>
                       </a:rPr>
-                      <m:t>𝑁</m:t>
+                      <m:t>𝐿𝑃𝑀</m:t>
                     </m:r>
                     <m:r>
                       <a:rPr lang="de-DE" b="0" i="1" smtClean="0">
@@ -11096,7 +11209,7 @@
                           <a:rPr lang="de-DE" b="0" i="1" smtClean="0">
                             <a:latin typeface="Cambria Math" panose="02040503050406030204" pitchFamily="18" charset="0"/>
                           </a:rPr>
-                          <m:t>𝑁</m:t>
+                          <m:t>𝐿𝑃𝑀</m:t>
                         </m:r>
                       </m:sup>
                       <m:e>
@@ -11131,7 +11244,7 @@
             <p:spPr>
               <a:xfrm>
                 <a:off x="1042833" y="4371927"/>
-                <a:ext cx="2369559" cy="292131"/>
+                <a:ext cx="2731773" cy="292131"/>
               </a:xfrm>
               <a:prstGeom prst="rect">
                 <a:avLst/>
@@ -11139,7 +11252,7 @@
               <a:blipFill rotWithShape="0">
                 <a:blip r:embed="rId2"/>
                 <a:stretch>
-                  <a:fillRect l="-3599" t="-160417" r="-16452" b="-252083"/>
+                  <a:fillRect l="-3125" t="-160417" r="-11830" b="-252083"/>
                 </a:stretch>
               </a:blipFill>
             </p:spPr>
@@ -11162,6 +11275,3185 @@
     <p:extLst>
       <p:ext uri="{BB962C8B-B14F-4D97-AF65-F5344CB8AC3E}">
         <p14:creationId xmlns:p14="http://schemas.microsoft.com/office/powerpoint/2010/main" val="862593617"/>
+      </p:ext>
+    </p:extLst>
+  </p:cSld>
+  <p:clrMapOvr>
+    <a:masterClrMapping/>
+  </p:clrMapOvr>
+</p:sld>
+</file>
+
+<file path=ppt/slides/slide9.xml><?xml version="1.0" encoding="utf-8"?>
+<p:sld xmlns:a="http://schemas.openxmlformats.org/drawingml/2006/main" xmlns:r="http://schemas.openxmlformats.org/officeDocument/2006/relationships" xmlns:p="http://schemas.openxmlformats.org/presentationml/2006/main">
+  <p:cSld>
+    <p:spTree>
+      <p:nvGrpSpPr>
+        <p:cNvPr id="1" name=""/>
+        <p:cNvGrpSpPr/>
+        <p:nvPr/>
+      </p:nvGrpSpPr>
+      <p:grpSpPr>
+        <a:xfrm>
+          <a:off x="0" y="0"/>
+          <a:ext cx="0" cy="0"/>
+          <a:chOff x="0" y="0"/>
+          <a:chExt cx="0" cy="0"/>
+        </a:xfrm>
+      </p:grpSpPr>
+      <p:sp>
+        <p:nvSpPr>
+          <p:cNvPr id="29" name="Abgerundetes Rechteck 28"/>
+          <p:cNvSpPr/>
+          <p:nvPr/>
+        </p:nvSpPr>
+        <p:spPr>
+          <a:xfrm>
+            <a:off x="9590652" y="2469696"/>
+            <a:ext cx="1890032" cy="1036864"/>
+          </a:xfrm>
+          <a:prstGeom prst="roundRect">
+            <a:avLst/>
+          </a:prstGeom>
+          <a:ln>
+            <a:prstDash val="dash"/>
+          </a:ln>
+        </p:spPr>
+        <p:style>
+          <a:lnRef idx="2">
+            <a:schemeClr val="dk1"/>
+          </a:lnRef>
+          <a:fillRef idx="1">
+            <a:schemeClr val="lt1"/>
+          </a:fillRef>
+          <a:effectRef idx="0">
+            <a:schemeClr val="dk1"/>
+          </a:effectRef>
+          <a:fontRef idx="minor">
+            <a:schemeClr val="dk1"/>
+          </a:fontRef>
+        </p:style>
+        <p:txBody>
+          <a:bodyPr rtlCol="0" anchor="ctr"/>
+          <a:lstStyle/>
+          <a:p>
+            <a:pPr algn="ctr"/>
+            <a:endParaRPr lang="de-DE"/>
+          </a:p>
+        </p:txBody>
+      </p:sp>
+      <p:sp>
+        <p:nvSpPr>
+          <p:cNvPr id="28" name="Abgerundetes Rechteck 27"/>
+          <p:cNvSpPr/>
+          <p:nvPr/>
+        </p:nvSpPr>
+        <p:spPr>
+          <a:xfrm>
+            <a:off x="7470321" y="2469696"/>
+            <a:ext cx="1890032" cy="1036864"/>
+          </a:xfrm>
+          <a:prstGeom prst="roundRect">
+            <a:avLst/>
+          </a:prstGeom>
+          <a:ln>
+            <a:prstDash val="dash"/>
+          </a:ln>
+        </p:spPr>
+        <p:style>
+          <a:lnRef idx="2">
+            <a:schemeClr val="dk1"/>
+          </a:lnRef>
+          <a:fillRef idx="1">
+            <a:schemeClr val="lt1"/>
+          </a:fillRef>
+          <a:effectRef idx="0">
+            <a:schemeClr val="dk1"/>
+          </a:effectRef>
+          <a:fontRef idx="minor">
+            <a:schemeClr val="dk1"/>
+          </a:fontRef>
+        </p:style>
+        <p:txBody>
+          <a:bodyPr rtlCol="0" anchor="ctr"/>
+          <a:lstStyle/>
+          <a:p>
+            <a:pPr algn="ctr"/>
+            <a:endParaRPr lang="de-DE"/>
+          </a:p>
+        </p:txBody>
+      </p:sp>
+      <p:sp>
+        <p:nvSpPr>
+          <p:cNvPr id="2" name="Inhaltsplatzhalter 1"/>
+          <p:cNvSpPr>
+            <a:spLocks noGrp="1"/>
+          </p:cNvSpPr>
+          <p:nvPr>
+            <p:ph sz="quarter" idx="10"/>
+          </p:nvPr>
+        </p:nvSpPr>
+        <p:spPr/>
+        <p:txBody>
+          <a:bodyPr/>
+          <a:lstStyle/>
+          <a:p>
+            <a:pPr marL="342900" indent="-342900">
+              <a:buFont typeface="Arial" panose="020B0604020202020204" pitchFamily="34" charset="0"/>
+              <a:buChar char="•"/>
+            </a:pPr>
+            <a:r>
+              <a:rPr lang="de-DE" dirty="0" err="1" smtClean="0"/>
+              <a:t>Each</a:t>
+            </a:r>
+            <a:r>
+              <a:rPr lang="de-DE" dirty="0" smtClean="0"/>
+              <a:t> </a:t>
+            </a:r>
+            <a:r>
+              <a:rPr lang="de-DE" dirty="0" err="1" smtClean="0"/>
+              <a:t>mirror</a:t>
+            </a:r>
+            <a:r>
+              <a:rPr lang="de-DE" dirty="0" smtClean="0"/>
+              <a:t> </a:t>
+            </a:r>
+            <a:r>
+              <a:rPr lang="de-DE" dirty="0" err="1" smtClean="0"/>
+              <a:t>is</a:t>
+            </a:r>
+            <a:r>
+              <a:rPr lang="de-DE" dirty="0" smtClean="0"/>
+              <a:t> </a:t>
+            </a:r>
+            <a:r>
+              <a:rPr lang="de-DE" dirty="0" err="1" smtClean="0"/>
+              <a:t>connected</a:t>
+            </a:r>
+            <a:r>
+              <a:rPr lang="de-DE" dirty="0" smtClean="0"/>
+              <a:t> </a:t>
+            </a:r>
+            <a:r>
+              <a:rPr lang="de-DE" dirty="0" err="1" smtClean="0"/>
+              <a:t>to</a:t>
+            </a:r>
+            <a:r>
+              <a:rPr lang="de-DE" dirty="0" smtClean="0"/>
+              <a:t> </a:t>
+            </a:r>
+            <a:r>
+              <a:rPr lang="de-DE" dirty="0" err="1" smtClean="0"/>
+              <a:t>exactly</a:t>
+            </a:r>
+            <a:r>
+              <a:rPr lang="de-DE" dirty="0" smtClean="0"/>
+              <a:t> N </a:t>
+            </a:r>
+            <a:r>
+              <a:rPr lang="de-DE" dirty="0" err="1" smtClean="0"/>
+              <a:t>other</a:t>
+            </a:r>
+            <a:r>
+              <a:rPr lang="de-DE" dirty="0" smtClean="0"/>
+              <a:t> </a:t>
+            </a:r>
+            <a:r>
+              <a:rPr lang="de-DE" dirty="0" err="1" smtClean="0"/>
+              <a:t>mirrors</a:t>
+            </a:r>
+            <a:endParaRPr lang="de-DE" dirty="0" smtClean="0"/>
+          </a:p>
+          <a:p>
+            <a:pPr marL="342900" indent="-342900">
+              <a:buFont typeface="Arial" panose="020B0604020202020204" pitchFamily="34" charset="0"/>
+              <a:buChar char="•"/>
+            </a:pPr>
+            <a:r>
+              <a:rPr lang="de-DE" dirty="0" err="1" smtClean="0"/>
+              <a:t>There</a:t>
+            </a:r>
+            <a:r>
+              <a:rPr lang="de-DE" dirty="0" smtClean="0"/>
+              <a:t> </a:t>
+            </a:r>
+            <a:r>
+              <a:rPr lang="de-DE" dirty="0" err="1" smtClean="0"/>
+              <a:t>is</a:t>
+            </a:r>
+            <a:r>
+              <a:rPr lang="de-DE" dirty="0" smtClean="0"/>
+              <a:t> a </a:t>
+            </a:r>
+            <a:r>
+              <a:rPr lang="de-DE" dirty="0" err="1" smtClean="0"/>
+              <a:t>minimum</a:t>
+            </a:r>
+            <a:r>
+              <a:rPr lang="de-DE" dirty="0" smtClean="0"/>
+              <a:t> </a:t>
+            </a:r>
+            <a:r>
+              <a:rPr lang="de-DE" dirty="0" err="1" smtClean="0"/>
+              <a:t>and</a:t>
+            </a:r>
+            <a:r>
+              <a:rPr lang="de-DE" dirty="0" smtClean="0"/>
+              <a:t> </a:t>
+            </a:r>
+            <a:r>
+              <a:rPr lang="de-DE" dirty="0" err="1" smtClean="0"/>
+              <a:t>maximum</a:t>
+            </a:r>
+            <a:r>
+              <a:rPr lang="de-DE" dirty="0" smtClean="0"/>
+              <a:t> </a:t>
+            </a:r>
+            <a:r>
+              <a:rPr lang="de-DE" dirty="0" err="1" smtClean="0"/>
+              <a:t>number</a:t>
+            </a:r>
+            <a:r>
+              <a:rPr lang="de-DE" dirty="0" smtClean="0"/>
+              <a:t> </a:t>
+            </a:r>
+            <a:r>
+              <a:rPr lang="de-DE" dirty="0" err="1" smtClean="0"/>
+              <a:t>of</a:t>
+            </a:r>
+            <a:r>
+              <a:rPr lang="de-DE" dirty="0" smtClean="0"/>
+              <a:t> links </a:t>
+            </a:r>
+            <a:r>
+              <a:rPr lang="de-DE" dirty="0" err="1" smtClean="0"/>
+              <a:t>for</a:t>
+            </a:r>
+            <a:r>
+              <a:rPr lang="de-DE" dirty="0" smtClean="0"/>
+              <a:t> </a:t>
+            </a:r>
+            <a:r>
+              <a:rPr lang="de-DE" dirty="0" err="1" smtClean="0"/>
+              <a:t>the</a:t>
+            </a:r>
+            <a:r>
+              <a:rPr lang="de-DE" dirty="0" smtClean="0"/>
+              <a:t> </a:t>
+            </a:r>
+            <a:r>
+              <a:rPr lang="de-DE" dirty="0" err="1" smtClean="0"/>
+              <a:t>complete</a:t>
+            </a:r>
+            <a:r>
+              <a:rPr lang="de-DE" dirty="0" smtClean="0"/>
+              <a:t> </a:t>
+            </a:r>
+            <a:r>
+              <a:rPr lang="de-DE" dirty="0" err="1" smtClean="0"/>
+              <a:t>graph</a:t>
+            </a:r>
+            <a:endParaRPr lang="de-DE" dirty="0" smtClean="0"/>
+          </a:p>
+          <a:p>
+            <a:pPr marL="342900" indent="-342900">
+              <a:buFont typeface="Arial" panose="020B0604020202020204" pitchFamily="34" charset="0"/>
+              <a:buChar char="•"/>
+            </a:pPr>
+            <a:r>
+              <a:rPr lang="de-DE" dirty="0" err="1" smtClean="0"/>
+              <a:t>Example</a:t>
+            </a:r>
+            <a:r>
+              <a:rPr lang="de-DE" dirty="0" smtClean="0"/>
+              <a:t>: 5 </a:t>
+            </a:r>
+            <a:r>
+              <a:rPr lang="de-DE" dirty="0" err="1" smtClean="0"/>
+              <a:t>Mirrors</a:t>
+            </a:r>
+            <a:r>
+              <a:rPr lang="de-DE" dirty="0" smtClean="0"/>
+              <a:t> </a:t>
+            </a:r>
+            <a:r>
+              <a:rPr lang="de-DE" dirty="0" err="1" smtClean="0"/>
+              <a:t>and</a:t>
+            </a:r>
+            <a:r>
+              <a:rPr lang="de-DE" dirty="0" smtClean="0"/>
+              <a:t> 2 Links per </a:t>
+            </a:r>
+            <a:r>
+              <a:rPr lang="de-DE" dirty="0" err="1" smtClean="0"/>
+              <a:t>Mirror</a:t>
+            </a:r>
+            <a:endParaRPr lang="de-DE" dirty="0" smtClean="0"/>
+          </a:p>
+          <a:p>
+            <a:pPr marL="738900" lvl="1" indent="-342900">
+              <a:buFont typeface="Arial" panose="020B0604020202020204" pitchFamily="34" charset="0"/>
+              <a:buChar char="•"/>
+            </a:pPr>
+            <a:r>
+              <a:rPr lang="de-DE" dirty="0" smtClean="0"/>
+              <a:t>The </a:t>
+            </a:r>
+            <a:r>
+              <a:rPr lang="de-DE" dirty="0" err="1" smtClean="0"/>
+              <a:t>number</a:t>
+            </a:r>
+            <a:r>
+              <a:rPr lang="de-DE" dirty="0" smtClean="0"/>
+              <a:t> </a:t>
+            </a:r>
+            <a:r>
+              <a:rPr lang="de-DE" dirty="0" err="1" smtClean="0"/>
+              <a:t>of</a:t>
+            </a:r>
+            <a:r>
+              <a:rPr lang="de-DE" dirty="0" smtClean="0"/>
+              <a:t> links </a:t>
+            </a:r>
+            <a:r>
+              <a:rPr lang="de-DE" dirty="0" err="1" smtClean="0"/>
+              <a:t>depends</a:t>
+            </a:r>
+            <a:r>
+              <a:rPr lang="de-DE" dirty="0" smtClean="0"/>
+              <a:t> on </a:t>
+            </a:r>
+            <a:r>
+              <a:rPr lang="de-DE" dirty="0" err="1" smtClean="0"/>
+              <a:t>the</a:t>
+            </a:r>
+            <a:r>
+              <a:rPr lang="de-DE" dirty="0" smtClean="0"/>
+              <a:t> </a:t>
+            </a:r>
+            <a:r>
+              <a:rPr lang="de-DE" dirty="0" err="1" smtClean="0"/>
+              <a:t>order</a:t>
+            </a:r>
+            <a:r>
+              <a:rPr lang="de-DE" dirty="0" smtClean="0"/>
+              <a:t> in </a:t>
+            </a:r>
+            <a:r>
+              <a:rPr lang="de-DE" dirty="0" err="1" smtClean="0"/>
+              <a:t>which</a:t>
+            </a:r>
+            <a:r>
+              <a:rPr lang="de-DE" dirty="0" smtClean="0"/>
+              <a:t> </a:t>
+            </a:r>
+            <a:br>
+              <a:rPr lang="de-DE" dirty="0" smtClean="0"/>
+            </a:br>
+            <a:r>
+              <a:rPr lang="de-DE" dirty="0" err="1" smtClean="0"/>
+              <a:t>the</a:t>
+            </a:r>
+            <a:r>
+              <a:rPr lang="de-DE" dirty="0" smtClean="0"/>
+              <a:t> links </a:t>
+            </a:r>
+            <a:r>
+              <a:rPr lang="de-DE" dirty="0" err="1" smtClean="0"/>
+              <a:t>are</a:t>
+            </a:r>
+            <a:r>
+              <a:rPr lang="de-DE" dirty="0" smtClean="0"/>
+              <a:t> </a:t>
+            </a:r>
+            <a:r>
+              <a:rPr lang="de-DE" dirty="0" err="1" smtClean="0"/>
+              <a:t>created</a:t>
+            </a:r>
+            <a:endParaRPr lang="de-DE" dirty="0" smtClean="0"/>
+          </a:p>
+          <a:p>
+            <a:pPr marL="738900" lvl="1" indent="-342900">
+              <a:buFont typeface="Arial" panose="020B0604020202020204" pitchFamily="34" charset="0"/>
+              <a:buChar char="•"/>
+            </a:pPr>
+            <a:r>
+              <a:rPr lang="de-DE" dirty="0" smtClean="0"/>
+              <a:t>Variant A </a:t>
+            </a:r>
+            <a:r>
+              <a:rPr lang="de-DE" dirty="0" err="1" smtClean="0"/>
+              <a:t>is</a:t>
+            </a:r>
+            <a:r>
+              <a:rPr lang="de-DE" dirty="0" smtClean="0"/>
+              <a:t> </a:t>
+            </a:r>
+            <a:r>
+              <a:rPr lang="de-DE" dirty="0" err="1" smtClean="0"/>
+              <a:t>the</a:t>
+            </a:r>
+            <a:r>
+              <a:rPr lang="de-DE" dirty="0" smtClean="0"/>
+              <a:t> </a:t>
+            </a:r>
+            <a:r>
+              <a:rPr lang="de-DE" dirty="0" err="1" smtClean="0"/>
+              <a:t>result</a:t>
+            </a:r>
+            <a:r>
+              <a:rPr lang="de-DE" dirty="0" smtClean="0"/>
+              <a:t> </a:t>
+            </a:r>
+            <a:r>
+              <a:rPr lang="de-DE" dirty="0" err="1" smtClean="0"/>
+              <a:t>if</a:t>
+            </a:r>
+            <a:r>
+              <a:rPr lang="de-DE" dirty="0" smtClean="0"/>
+              <a:t> </a:t>
+            </a:r>
+            <a:r>
+              <a:rPr lang="de-DE" dirty="0" err="1" smtClean="0"/>
+              <a:t>the</a:t>
+            </a:r>
+            <a:r>
+              <a:rPr lang="de-DE" dirty="0" smtClean="0"/>
+              <a:t> links </a:t>
+            </a:r>
+            <a:r>
+              <a:rPr lang="de-DE" dirty="0" err="1" smtClean="0"/>
+              <a:t>are</a:t>
+            </a:r>
+            <a:r>
+              <a:rPr lang="de-DE" dirty="0" smtClean="0"/>
+              <a:t> </a:t>
+            </a:r>
+            <a:r>
+              <a:rPr lang="de-DE" dirty="0" err="1" smtClean="0"/>
+              <a:t>created</a:t>
+            </a:r>
+            <a:r>
+              <a:rPr lang="de-DE" dirty="0" smtClean="0"/>
+              <a:t> in</a:t>
+            </a:r>
+            <a:br>
+              <a:rPr lang="de-DE" dirty="0" smtClean="0"/>
+            </a:br>
+            <a:r>
+              <a:rPr lang="de-DE" dirty="0" err="1" smtClean="0"/>
+              <a:t>ascending</a:t>
+            </a:r>
+            <a:r>
+              <a:rPr lang="de-DE" dirty="0" smtClean="0"/>
+              <a:t> </a:t>
+            </a:r>
+            <a:r>
+              <a:rPr lang="de-DE" dirty="0" err="1" smtClean="0"/>
+              <a:t>order</a:t>
+            </a:r>
+            <a:r>
+              <a:rPr lang="de-DE" dirty="0" smtClean="0"/>
+              <a:t> </a:t>
+            </a:r>
+            <a:r>
+              <a:rPr lang="de-DE" dirty="0" err="1" smtClean="0"/>
+              <a:t>for</a:t>
+            </a:r>
+            <a:r>
+              <a:rPr lang="de-DE" dirty="0" smtClean="0"/>
+              <a:t> </a:t>
+            </a:r>
+            <a:r>
+              <a:rPr lang="de-DE" dirty="0" err="1" smtClean="0"/>
+              <a:t>each</a:t>
+            </a:r>
+            <a:r>
+              <a:rPr lang="de-DE" dirty="0" smtClean="0"/>
+              <a:t> </a:t>
+            </a:r>
+            <a:r>
+              <a:rPr lang="de-DE" dirty="0" err="1" smtClean="0"/>
+              <a:t>node</a:t>
+            </a:r>
+            <a:endParaRPr lang="de-DE" dirty="0" smtClean="0"/>
+          </a:p>
+          <a:p>
+            <a:pPr marL="738900" lvl="1" indent="-342900">
+              <a:buFont typeface="Arial" panose="020B0604020202020204" pitchFamily="34" charset="0"/>
+              <a:buChar char="•"/>
+            </a:pPr>
+            <a:r>
+              <a:rPr lang="de-DE" dirty="0" smtClean="0"/>
+              <a:t>The </a:t>
+            </a:r>
+            <a:r>
+              <a:rPr lang="de-DE" dirty="0" err="1" smtClean="0"/>
+              <a:t>other</a:t>
+            </a:r>
+            <a:r>
+              <a:rPr lang="de-DE" dirty="0" smtClean="0"/>
+              <a:t> </a:t>
+            </a:r>
+            <a:r>
+              <a:rPr lang="de-DE" dirty="0" err="1" smtClean="0"/>
+              <a:t>variants</a:t>
+            </a:r>
+            <a:r>
+              <a:rPr lang="de-DE" dirty="0" smtClean="0"/>
+              <a:t> </a:t>
+            </a:r>
+            <a:r>
+              <a:rPr lang="de-DE" dirty="0" err="1" smtClean="0"/>
+              <a:t>result</a:t>
+            </a:r>
+            <a:r>
+              <a:rPr lang="de-DE" dirty="0" smtClean="0"/>
+              <a:t>, </a:t>
+            </a:r>
+            <a:r>
+              <a:rPr lang="de-DE" dirty="0" err="1" smtClean="0"/>
+              <a:t>if</a:t>
+            </a:r>
+            <a:r>
+              <a:rPr lang="de-DE" dirty="0" smtClean="0"/>
+              <a:t> </a:t>
+            </a:r>
+            <a:r>
+              <a:rPr lang="de-DE" dirty="0" err="1" smtClean="0"/>
+              <a:t>nodes</a:t>
+            </a:r>
+            <a:r>
+              <a:rPr lang="de-DE" dirty="0" smtClean="0"/>
+              <a:t> </a:t>
+            </a:r>
+            <a:r>
+              <a:rPr lang="de-DE" dirty="0" err="1" smtClean="0"/>
+              <a:t>and</a:t>
+            </a:r>
+            <a:r>
+              <a:rPr lang="de-DE" dirty="0" smtClean="0"/>
+              <a:t> </a:t>
+            </a:r>
+            <a:r>
+              <a:rPr lang="de-DE" dirty="0" err="1" smtClean="0"/>
+              <a:t>their</a:t>
+            </a:r>
+            <a:r>
+              <a:rPr lang="de-DE" dirty="0" smtClean="0"/>
+              <a:t> </a:t>
+            </a:r>
+            <a:r>
+              <a:rPr lang="de-DE" dirty="0" err="1" smtClean="0"/>
+              <a:t>partners</a:t>
+            </a:r>
+            <a:r>
+              <a:rPr lang="de-DE" dirty="0" smtClean="0"/>
+              <a:t/>
+            </a:r>
+            <a:br>
+              <a:rPr lang="de-DE" dirty="0" smtClean="0"/>
+            </a:br>
+            <a:r>
+              <a:rPr lang="de-DE" dirty="0" err="1" smtClean="0"/>
+              <a:t>are</a:t>
+            </a:r>
+            <a:r>
+              <a:rPr lang="de-DE" dirty="0" smtClean="0"/>
+              <a:t> </a:t>
+            </a:r>
+            <a:r>
+              <a:rPr lang="de-DE" dirty="0" err="1" smtClean="0"/>
+              <a:t>randomly</a:t>
+            </a:r>
+            <a:r>
+              <a:rPr lang="de-DE" dirty="0" smtClean="0"/>
+              <a:t> </a:t>
+            </a:r>
+            <a:r>
+              <a:rPr lang="de-DE" dirty="0" err="1" smtClean="0"/>
+              <a:t>choosen</a:t>
+            </a:r>
+            <a:endParaRPr lang="de-DE" dirty="0" smtClean="0"/>
+          </a:p>
+          <a:p>
+            <a:pPr marL="342900" indent="-342900">
+              <a:buFont typeface="Arial" panose="020B0604020202020204" pitchFamily="34" charset="0"/>
+              <a:buChar char="•"/>
+            </a:pPr>
+            <a:r>
+              <a:rPr lang="de-DE" dirty="0" smtClean="0"/>
+              <a:t>Maximum links: (</a:t>
+            </a:r>
+            <a:r>
+              <a:rPr lang="de-DE" dirty="0" err="1" smtClean="0"/>
+              <a:t>Mirrors</a:t>
+            </a:r>
+            <a:r>
+              <a:rPr lang="de-DE" dirty="0" smtClean="0"/>
+              <a:t> * Links per </a:t>
+            </a:r>
+            <a:r>
+              <a:rPr lang="de-DE" dirty="0" err="1" smtClean="0"/>
+              <a:t>Mirror</a:t>
+            </a:r>
+            <a:r>
+              <a:rPr lang="de-DE" dirty="0" smtClean="0"/>
+              <a:t>) / 2</a:t>
+            </a:r>
+          </a:p>
+          <a:p>
+            <a:pPr marL="738900" lvl="1" indent="-342900">
+              <a:buFont typeface="Arial" panose="020B0604020202020204" pitchFamily="34" charset="0"/>
+              <a:buChar char="•"/>
+            </a:pPr>
+            <a:r>
+              <a:rPr lang="de-DE" dirty="0" smtClean="0"/>
+              <a:t>5 </a:t>
+            </a:r>
+            <a:r>
+              <a:rPr lang="de-DE" dirty="0" err="1" smtClean="0"/>
+              <a:t>for</a:t>
+            </a:r>
+            <a:r>
+              <a:rPr lang="de-DE" dirty="0" smtClean="0"/>
+              <a:t> </a:t>
+            </a:r>
+            <a:r>
+              <a:rPr lang="de-DE" dirty="0" err="1" smtClean="0"/>
+              <a:t>the</a:t>
+            </a:r>
+            <a:r>
+              <a:rPr lang="de-DE" dirty="0" smtClean="0"/>
+              <a:t> </a:t>
+            </a:r>
+            <a:r>
+              <a:rPr lang="de-DE" dirty="0" err="1" smtClean="0"/>
+              <a:t>example</a:t>
+            </a:r>
+            <a:endParaRPr lang="de-DE" dirty="0" smtClean="0"/>
+          </a:p>
+          <a:p>
+            <a:pPr marL="342900" indent="-342900">
+              <a:buFont typeface="Arial" panose="020B0604020202020204" pitchFamily="34" charset="0"/>
+              <a:buChar char="•"/>
+            </a:pPr>
+            <a:r>
+              <a:rPr lang="de-DE" dirty="0" smtClean="0"/>
+              <a:t>Minimum links:</a:t>
+            </a:r>
+          </a:p>
+        </p:txBody>
+      </p:sp>
+      <p:sp>
+        <p:nvSpPr>
+          <p:cNvPr id="3" name="Titel 2"/>
+          <p:cNvSpPr>
+            <a:spLocks noGrp="1"/>
+          </p:cNvSpPr>
+          <p:nvPr>
+            <p:ph type="title"/>
+          </p:nvPr>
+        </p:nvSpPr>
+        <p:spPr/>
+        <p:txBody>
+          <a:bodyPr/>
+          <a:lstStyle/>
+          <a:p>
+            <a:r>
+              <a:rPr lang="de-DE" dirty="0" err="1" smtClean="0"/>
+              <a:t>Topology</a:t>
+            </a:r>
+            <a:r>
+              <a:rPr lang="de-DE" dirty="0" smtClean="0"/>
+              <a:t> </a:t>
+            </a:r>
+            <a:r>
+              <a:rPr lang="de-DE" dirty="0" err="1" smtClean="0"/>
+              <a:t>Strategy</a:t>
+            </a:r>
+            <a:r>
+              <a:rPr lang="de-DE" dirty="0" smtClean="0"/>
+              <a:t>: Random</a:t>
+            </a:r>
+            <a:endParaRPr lang="de-DE" dirty="0"/>
+          </a:p>
+        </p:txBody>
+      </p:sp>
+      <p:sp>
+        <p:nvSpPr>
+          <p:cNvPr id="4" name="Ellipse 3"/>
+          <p:cNvSpPr/>
+          <p:nvPr/>
+        </p:nvSpPr>
+        <p:spPr>
+          <a:xfrm>
+            <a:off x="7605033" y="2579913"/>
+            <a:ext cx="249011" cy="249011"/>
+          </a:xfrm>
+          <a:prstGeom prst="ellipse">
+            <a:avLst/>
+          </a:prstGeom>
+        </p:spPr>
+        <p:style>
+          <a:lnRef idx="2">
+            <a:schemeClr val="dk1"/>
+          </a:lnRef>
+          <a:fillRef idx="1">
+            <a:schemeClr val="lt1"/>
+          </a:fillRef>
+          <a:effectRef idx="0">
+            <a:schemeClr val="dk1"/>
+          </a:effectRef>
+          <a:fontRef idx="minor">
+            <a:schemeClr val="dk1"/>
+          </a:fontRef>
+        </p:style>
+        <p:txBody>
+          <a:bodyPr rtlCol="0" anchor="ctr"/>
+          <a:lstStyle/>
+          <a:p>
+            <a:pPr algn="ctr"/>
+            <a:r>
+              <a:rPr lang="de-DE" dirty="0" smtClean="0"/>
+              <a:t>1</a:t>
+            </a:r>
+            <a:endParaRPr lang="de-DE" dirty="0"/>
+          </a:p>
+        </p:txBody>
+      </p:sp>
+      <p:sp>
+        <p:nvSpPr>
+          <p:cNvPr id="5" name="Ellipse 4"/>
+          <p:cNvSpPr/>
+          <p:nvPr/>
+        </p:nvSpPr>
+        <p:spPr>
+          <a:xfrm>
+            <a:off x="8300358" y="2579912"/>
+            <a:ext cx="249011" cy="249011"/>
+          </a:xfrm>
+          <a:prstGeom prst="ellipse">
+            <a:avLst/>
+          </a:prstGeom>
+        </p:spPr>
+        <p:style>
+          <a:lnRef idx="2">
+            <a:schemeClr val="dk1"/>
+          </a:lnRef>
+          <a:fillRef idx="1">
+            <a:schemeClr val="lt1"/>
+          </a:fillRef>
+          <a:effectRef idx="0">
+            <a:schemeClr val="dk1"/>
+          </a:effectRef>
+          <a:fontRef idx="minor">
+            <a:schemeClr val="dk1"/>
+          </a:fontRef>
+        </p:style>
+        <p:txBody>
+          <a:bodyPr rtlCol="0" anchor="ctr"/>
+          <a:lstStyle/>
+          <a:p>
+            <a:pPr algn="ctr"/>
+            <a:r>
+              <a:rPr lang="de-DE" dirty="0" smtClean="0"/>
+              <a:t>2</a:t>
+            </a:r>
+            <a:endParaRPr lang="de-DE" dirty="0"/>
+          </a:p>
+        </p:txBody>
+      </p:sp>
+      <p:sp>
+        <p:nvSpPr>
+          <p:cNvPr id="6" name="Ellipse 5"/>
+          <p:cNvSpPr/>
+          <p:nvPr/>
+        </p:nvSpPr>
+        <p:spPr>
+          <a:xfrm>
+            <a:off x="8300358" y="3159123"/>
+            <a:ext cx="249011" cy="249011"/>
+          </a:xfrm>
+          <a:prstGeom prst="ellipse">
+            <a:avLst/>
+          </a:prstGeom>
+        </p:spPr>
+        <p:style>
+          <a:lnRef idx="2">
+            <a:schemeClr val="dk1"/>
+          </a:lnRef>
+          <a:fillRef idx="1">
+            <a:schemeClr val="lt1"/>
+          </a:fillRef>
+          <a:effectRef idx="0">
+            <a:schemeClr val="dk1"/>
+          </a:effectRef>
+          <a:fontRef idx="minor">
+            <a:schemeClr val="dk1"/>
+          </a:fontRef>
+        </p:style>
+        <p:txBody>
+          <a:bodyPr rtlCol="0" anchor="ctr"/>
+          <a:lstStyle/>
+          <a:p>
+            <a:pPr algn="ctr"/>
+            <a:r>
+              <a:rPr lang="de-DE" dirty="0" smtClean="0"/>
+              <a:t>3</a:t>
+            </a:r>
+            <a:endParaRPr lang="de-DE" dirty="0"/>
+          </a:p>
+        </p:txBody>
+      </p:sp>
+      <p:sp>
+        <p:nvSpPr>
+          <p:cNvPr id="7" name="Ellipse 6"/>
+          <p:cNvSpPr/>
+          <p:nvPr/>
+        </p:nvSpPr>
+        <p:spPr>
+          <a:xfrm>
+            <a:off x="8992621" y="2579909"/>
+            <a:ext cx="249011" cy="249011"/>
+          </a:xfrm>
+          <a:prstGeom prst="ellipse">
+            <a:avLst/>
+          </a:prstGeom>
+        </p:spPr>
+        <p:style>
+          <a:lnRef idx="2">
+            <a:schemeClr val="dk1"/>
+          </a:lnRef>
+          <a:fillRef idx="1">
+            <a:schemeClr val="lt1"/>
+          </a:fillRef>
+          <a:effectRef idx="0">
+            <a:schemeClr val="dk1"/>
+          </a:effectRef>
+          <a:fontRef idx="minor">
+            <a:schemeClr val="dk1"/>
+          </a:fontRef>
+        </p:style>
+        <p:txBody>
+          <a:bodyPr rtlCol="0" anchor="ctr"/>
+          <a:lstStyle/>
+          <a:p>
+            <a:pPr algn="ctr"/>
+            <a:r>
+              <a:rPr lang="de-DE" dirty="0" smtClean="0"/>
+              <a:t>4</a:t>
+            </a:r>
+            <a:endParaRPr lang="de-DE" dirty="0"/>
+          </a:p>
+        </p:txBody>
+      </p:sp>
+      <p:sp>
+        <p:nvSpPr>
+          <p:cNvPr id="8" name="Ellipse 7"/>
+          <p:cNvSpPr/>
+          <p:nvPr/>
+        </p:nvSpPr>
+        <p:spPr>
+          <a:xfrm>
+            <a:off x="8992621" y="3159123"/>
+            <a:ext cx="249011" cy="249011"/>
+          </a:xfrm>
+          <a:prstGeom prst="ellipse">
+            <a:avLst/>
+          </a:prstGeom>
+        </p:spPr>
+        <p:style>
+          <a:lnRef idx="2">
+            <a:schemeClr val="dk1"/>
+          </a:lnRef>
+          <a:fillRef idx="1">
+            <a:schemeClr val="lt1"/>
+          </a:fillRef>
+          <a:effectRef idx="0">
+            <a:schemeClr val="dk1"/>
+          </a:effectRef>
+          <a:fontRef idx="minor">
+            <a:schemeClr val="dk1"/>
+          </a:fontRef>
+        </p:style>
+        <p:txBody>
+          <a:bodyPr rtlCol="0" anchor="ctr"/>
+          <a:lstStyle/>
+          <a:p>
+            <a:pPr algn="ctr"/>
+            <a:r>
+              <a:rPr lang="de-DE" dirty="0"/>
+              <a:t>5</a:t>
+            </a:r>
+          </a:p>
+        </p:txBody>
+      </p:sp>
+      <p:cxnSp>
+        <p:nvCxnSpPr>
+          <p:cNvPr id="9" name="Gerade Verbindung mit Pfeil 8"/>
+          <p:cNvCxnSpPr>
+            <a:stCxn id="4" idx="6"/>
+            <a:endCxn id="5" idx="2"/>
+          </p:cNvCxnSpPr>
+          <p:nvPr/>
+        </p:nvCxnSpPr>
+        <p:spPr>
+          <a:xfrm flipV="1">
+            <a:off x="7854044" y="2704418"/>
+            <a:ext cx="446314" cy="1"/>
+          </a:xfrm>
+          <a:prstGeom prst="straightConnector1">
+            <a:avLst/>
+          </a:prstGeom>
+          <a:ln>
+            <a:headEnd type="none" w="med" len="med"/>
+            <a:tailEnd type="none" w="med" len="med"/>
+          </a:ln>
+        </p:spPr>
+        <p:style>
+          <a:lnRef idx="2">
+            <a:schemeClr val="dk1"/>
+          </a:lnRef>
+          <a:fillRef idx="1">
+            <a:schemeClr val="lt1"/>
+          </a:fillRef>
+          <a:effectRef idx="0">
+            <a:schemeClr val="dk1"/>
+          </a:effectRef>
+          <a:fontRef idx="minor">
+            <a:schemeClr val="dk1"/>
+          </a:fontRef>
+        </p:style>
+      </p:cxnSp>
+      <p:cxnSp>
+        <p:nvCxnSpPr>
+          <p:cNvPr id="10" name="Gerade Verbindung mit Pfeil 9"/>
+          <p:cNvCxnSpPr>
+            <a:stCxn id="4" idx="5"/>
+            <a:endCxn id="6" idx="1"/>
+          </p:cNvCxnSpPr>
+          <p:nvPr/>
+        </p:nvCxnSpPr>
+        <p:spPr>
+          <a:xfrm>
+            <a:off x="7817577" y="2792457"/>
+            <a:ext cx="519248" cy="403133"/>
+          </a:xfrm>
+          <a:prstGeom prst="straightConnector1">
+            <a:avLst/>
+          </a:prstGeom>
+          <a:ln>
+            <a:headEnd type="none" w="med" len="med"/>
+            <a:tailEnd type="none" w="med" len="med"/>
+          </a:ln>
+        </p:spPr>
+        <p:style>
+          <a:lnRef idx="2">
+            <a:schemeClr val="dk1"/>
+          </a:lnRef>
+          <a:fillRef idx="1">
+            <a:schemeClr val="lt1"/>
+          </a:fillRef>
+          <a:effectRef idx="0">
+            <a:schemeClr val="dk1"/>
+          </a:effectRef>
+          <a:fontRef idx="minor">
+            <a:schemeClr val="dk1"/>
+          </a:fontRef>
+        </p:style>
+      </p:cxnSp>
+      <p:cxnSp>
+        <p:nvCxnSpPr>
+          <p:cNvPr id="12" name="Gerade Verbindung mit Pfeil 11"/>
+          <p:cNvCxnSpPr>
+            <a:stCxn id="5" idx="6"/>
+            <a:endCxn id="7" idx="2"/>
+          </p:cNvCxnSpPr>
+          <p:nvPr/>
+        </p:nvCxnSpPr>
+        <p:spPr>
+          <a:xfrm flipV="1">
+            <a:off x="8549369" y="2704415"/>
+            <a:ext cx="443252" cy="3"/>
+          </a:xfrm>
+          <a:prstGeom prst="straightConnector1">
+            <a:avLst/>
+          </a:prstGeom>
+          <a:ln>
+            <a:headEnd type="none" w="med" len="med"/>
+            <a:tailEnd type="none" w="med" len="med"/>
+          </a:ln>
+        </p:spPr>
+        <p:style>
+          <a:lnRef idx="2">
+            <a:schemeClr val="dk1"/>
+          </a:lnRef>
+          <a:fillRef idx="1">
+            <a:schemeClr val="lt1"/>
+          </a:fillRef>
+          <a:effectRef idx="0">
+            <a:schemeClr val="dk1"/>
+          </a:effectRef>
+          <a:fontRef idx="minor">
+            <a:schemeClr val="dk1"/>
+          </a:fontRef>
+        </p:style>
+      </p:cxnSp>
+      <p:cxnSp>
+        <p:nvCxnSpPr>
+          <p:cNvPr id="14" name="Gerade Verbindung mit Pfeil 13"/>
+          <p:cNvCxnSpPr>
+            <a:stCxn id="6" idx="6"/>
+            <a:endCxn id="8" idx="2"/>
+          </p:cNvCxnSpPr>
+          <p:nvPr/>
+        </p:nvCxnSpPr>
+        <p:spPr>
+          <a:xfrm>
+            <a:off x="8549369" y="3283629"/>
+            <a:ext cx="443252" cy="0"/>
+          </a:xfrm>
+          <a:prstGeom prst="straightConnector1">
+            <a:avLst/>
+          </a:prstGeom>
+          <a:ln>
+            <a:headEnd type="none" w="med" len="med"/>
+            <a:tailEnd type="none" w="med" len="med"/>
+          </a:ln>
+        </p:spPr>
+        <p:style>
+          <a:lnRef idx="2">
+            <a:schemeClr val="dk1"/>
+          </a:lnRef>
+          <a:fillRef idx="1">
+            <a:schemeClr val="lt1"/>
+          </a:fillRef>
+          <a:effectRef idx="0">
+            <a:schemeClr val="dk1"/>
+          </a:effectRef>
+          <a:fontRef idx="minor">
+            <a:schemeClr val="dk1"/>
+          </a:fontRef>
+        </p:style>
+      </p:cxnSp>
+      <p:cxnSp>
+        <p:nvCxnSpPr>
+          <p:cNvPr id="15" name="Gerade Verbindung mit Pfeil 14"/>
+          <p:cNvCxnSpPr>
+            <a:stCxn id="7" idx="4"/>
+            <a:endCxn id="8" idx="0"/>
+          </p:cNvCxnSpPr>
+          <p:nvPr/>
+        </p:nvCxnSpPr>
+        <p:spPr>
+          <a:xfrm>
+            <a:off x="9117127" y="2828920"/>
+            <a:ext cx="0" cy="330203"/>
+          </a:xfrm>
+          <a:prstGeom prst="straightConnector1">
+            <a:avLst/>
+          </a:prstGeom>
+          <a:ln>
+            <a:headEnd type="none" w="med" len="med"/>
+            <a:tailEnd type="none" w="med" len="med"/>
+          </a:ln>
+        </p:spPr>
+        <p:style>
+          <a:lnRef idx="2">
+            <a:schemeClr val="dk1"/>
+          </a:lnRef>
+          <a:fillRef idx="1">
+            <a:schemeClr val="lt1"/>
+          </a:fillRef>
+          <a:effectRef idx="0">
+            <a:schemeClr val="dk1"/>
+          </a:effectRef>
+          <a:fontRef idx="minor">
+            <a:schemeClr val="dk1"/>
+          </a:fontRef>
+        </p:style>
+      </p:cxnSp>
+      <p:sp>
+        <p:nvSpPr>
+          <p:cNvPr id="16" name="Ellipse 15"/>
+          <p:cNvSpPr/>
+          <p:nvPr/>
+        </p:nvSpPr>
+        <p:spPr>
+          <a:xfrm>
+            <a:off x="9692368" y="2579913"/>
+            <a:ext cx="249011" cy="249011"/>
+          </a:xfrm>
+          <a:prstGeom prst="ellipse">
+            <a:avLst/>
+          </a:prstGeom>
+        </p:spPr>
+        <p:style>
+          <a:lnRef idx="2">
+            <a:schemeClr val="dk1"/>
+          </a:lnRef>
+          <a:fillRef idx="1">
+            <a:schemeClr val="lt1"/>
+          </a:fillRef>
+          <a:effectRef idx="0">
+            <a:schemeClr val="dk1"/>
+          </a:effectRef>
+          <a:fontRef idx="minor">
+            <a:schemeClr val="dk1"/>
+          </a:fontRef>
+        </p:style>
+        <p:txBody>
+          <a:bodyPr rtlCol="0" anchor="ctr"/>
+          <a:lstStyle/>
+          <a:p>
+            <a:pPr algn="ctr"/>
+            <a:r>
+              <a:rPr lang="de-DE" dirty="0" smtClean="0"/>
+              <a:t>1</a:t>
+            </a:r>
+            <a:endParaRPr lang="de-DE" dirty="0"/>
+          </a:p>
+        </p:txBody>
+      </p:sp>
+      <p:sp>
+        <p:nvSpPr>
+          <p:cNvPr id="17" name="Ellipse 16"/>
+          <p:cNvSpPr/>
+          <p:nvPr/>
+        </p:nvSpPr>
+        <p:spPr>
+          <a:xfrm>
+            <a:off x="10387693" y="2579912"/>
+            <a:ext cx="249011" cy="249011"/>
+          </a:xfrm>
+          <a:prstGeom prst="ellipse">
+            <a:avLst/>
+          </a:prstGeom>
+        </p:spPr>
+        <p:style>
+          <a:lnRef idx="2">
+            <a:schemeClr val="dk1"/>
+          </a:lnRef>
+          <a:fillRef idx="1">
+            <a:schemeClr val="lt1"/>
+          </a:fillRef>
+          <a:effectRef idx="0">
+            <a:schemeClr val="dk1"/>
+          </a:effectRef>
+          <a:fontRef idx="minor">
+            <a:schemeClr val="dk1"/>
+          </a:fontRef>
+        </p:style>
+        <p:txBody>
+          <a:bodyPr rtlCol="0" anchor="ctr"/>
+          <a:lstStyle/>
+          <a:p>
+            <a:pPr algn="ctr"/>
+            <a:r>
+              <a:rPr lang="de-DE" dirty="0" smtClean="0"/>
+              <a:t>2</a:t>
+            </a:r>
+            <a:endParaRPr lang="de-DE" dirty="0"/>
+          </a:p>
+        </p:txBody>
+      </p:sp>
+      <p:sp>
+        <p:nvSpPr>
+          <p:cNvPr id="18" name="Ellipse 17"/>
+          <p:cNvSpPr/>
+          <p:nvPr/>
+        </p:nvSpPr>
+        <p:spPr>
+          <a:xfrm>
+            <a:off x="10387693" y="3159123"/>
+            <a:ext cx="249011" cy="249011"/>
+          </a:xfrm>
+          <a:prstGeom prst="ellipse">
+            <a:avLst/>
+          </a:prstGeom>
+        </p:spPr>
+        <p:style>
+          <a:lnRef idx="2">
+            <a:schemeClr val="dk1"/>
+          </a:lnRef>
+          <a:fillRef idx="1">
+            <a:schemeClr val="lt1"/>
+          </a:fillRef>
+          <a:effectRef idx="0">
+            <a:schemeClr val="dk1"/>
+          </a:effectRef>
+          <a:fontRef idx="minor">
+            <a:schemeClr val="dk1"/>
+          </a:fontRef>
+        </p:style>
+        <p:txBody>
+          <a:bodyPr rtlCol="0" anchor="ctr"/>
+          <a:lstStyle/>
+          <a:p>
+            <a:pPr algn="ctr"/>
+            <a:r>
+              <a:rPr lang="de-DE" dirty="0" smtClean="0"/>
+              <a:t>3</a:t>
+            </a:r>
+            <a:endParaRPr lang="de-DE" dirty="0"/>
+          </a:p>
+        </p:txBody>
+      </p:sp>
+      <p:sp>
+        <p:nvSpPr>
+          <p:cNvPr id="19" name="Ellipse 18"/>
+          <p:cNvSpPr/>
+          <p:nvPr/>
+        </p:nvSpPr>
+        <p:spPr>
+          <a:xfrm>
+            <a:off x="11079956" y="2579909"/>
+            <a:ext cx="249011" cy="249011"/>
+          </a:xfrm>
+          <a:prstGeom prst="ellipse">
+            <a:avLst/>
+          </a:prstGeom>
+        </p:spPr>
+        <p:style>
+          <a:lnRef idx="2">
+            <a:schemeClr val="dk1"/>
+          </a:lnRef>
+          <a:fillRef idx="1">
+            <a:schemeClr val="lt1"/>
+          </a:fillRef>
+          <a:effectRef idx="0">
+            <a:schemeClr val="dk1"/>
+          </a:effectRef>
+          <a:fontRef idx="minor">
+            <a:schemeClr val="dk1"/>
+          </a:fontRef>
+        </p:style>
+        <p:txBody>
+          <a:bodyPr rtlCol="0" anchor="ctr"/>
+          <a:lstStyle/>
+          <a:p>
+            <a:pPr algn="ctr"/>
+            <a:r>
+              <a:rPr lang="de-DE" dirty="0" smtClean="0"/>
+              <a:t>4</a:t>
+            </a:r>
+            <a:endParaRPr lang="de-DE" dirty="0"/>
+          </a:p>
+        </p:txBody>
+      </p:sp>
+      <p:sp>
+        <p:nvSpPr>
+          <p:cNvPr id="20" name="Ellipse 19"/>
+          <p:cNvSpPr/>
+          <p:nvPr/>
+        </p:nvSpPr>
+        <p:spPr>
+          <a:xfrm>
+            <a:off x="11079956" y="3159123"/>
+            <a:ext cx="249011" cy="249011"/>
+          </a:xfrm>
+          <a:prstGeom prst="ellipse">
+            <a:avLst/>
+          </a:prstGeom>
+        </p:spPr>
+        <p:style>
+          <a:lnRef idx="2">
+            <a:schemeClr val="dk1"/>
+          </a:lnRef>
+          <a:fillRef idx="1">
+            <a:schemeClr val="lt1"/>
+          </a:fillRef>
+          <a:effectRef idx="0">
+            <a:schemeClr val="dk1"/>
+          </a:effectRef>
+          <a:fontRef idx="minor">
+            <a:schemeClr val="dk1"/>
+          </a:fontRef>
+        </p:style>
+        <p:txBody>
+          <a:bodyPr rtlCol="0" anchor="ctr"/>
+          <a:lstStyle/>
+          <a:p>
+            <a:pPr algn="ctr"/>
+            <a:r>
+              <a:rPr lang="de-DE" dirty="0"/>
+              <a:t>5</a:t>
+            </a:r>
+          </a:p>
+        </p:txBody>
+      </p:sp>
+      <p:cxnSp>
+        <p:nvCxnSpPr>
+          <p:cNvPr id="21" name="Gerade Verbindung mit Pfeil 20"/>
+          <p:cNvCxnSpPr>
+            <a:stCxn id="16" idx="6"/>
+            <a:endCxn id="17" idx="2"/>
+          </p:cNvCxnSpPr>
+          <p:nvPr/>
+        </p:nvCxnSpPr>
+        <p:spPr>
+          <a:xfrm flipV="1">
+            <a:off x="9941379" y="2704418"/>
+            <a:ext cx="446314" cy="1"/>
+          </a:xfrm>
+          <a:prstGeom prst="straightConnector1">
+            <a:avLst/>
+          </a:prstGeom>
+          <a:ln>
+            <a:headEnd type="none" w="med" len="med"/>
+            <a:tailEnd type="none" w="med" len="med"/>
+          </a:ln>
+        </p:spPr>
+        <p:style>
+          <a:lnRef idx="2">
+            <a:schemeClr val="dk1"/>
+          </a:lnRef>
+          <a:fillRef idx="1">
+            <a:schemeClr val="lt1"/>
+          </a:fillRef>
+          <a:effectRef idx="0">
+            <a:schemeClr val="dk1"/>
+          </a:effectRef>
+          <a:fontRef idx="minor">
+            <a:schemeClr val="dk1"/>
+          </a:fontRef>
+        </p:style>
+      </p:cxnSp>
+      <p:cxnSp>
+        <p:nvCxnSpPr>
+          <p:cNvPr id="22" name="Gerade Verbindung mit Pfeil 21"/>
+          <p:cNvCxnSpPr>
+            <a:stCxn id="16" idx="5"/>
+            <a:endCxn id="18" idx="1"/>
+          </p:cNvCxnSpPr>
+          <p:nvPr/>
+        </p:nvCxnSpPr>
+        <p:spPr>
+          <a:xfrm>
+            <a:off x="9904912" y="2792457"/>
+            <a:ext cx="519248" cy="403133"/>
+          </a:xfrm>
+          <a:prstGeom prst="straightConnector1">
+            <a:avLst/>
+          </a:prstGeom>
+          <a:ln>
+            <a:headEnd type="none" w="med" len="med"/>
+            <a:tailEnd type="none" w="med" len="med"/>
+          </a:ln>
+        </p:spPr>
+        <p:style>
+          <a:lnRef idx="2">
+            <a:schemeClr val="dk1"/>
+          </a:lnRef>
+          <a:fillRef idx="1">
+            <a:schemeClr val="lt1"/>
+          </a:fillRef>
+          <a:effectRef idx="0">
+            <a:schemeClr val="dk1"/>
+          </a:effectRef>
+          <a:fontRef idx="minor">
+            <a:schemeClr val="dk1"/>
+          </a:fontRef>
+        </p:style>
+      </p:cxnSp>
+      <p:cxnSp>
+        <p:nvCxnSpPr>
+          <p:cNvPr id="23" name="Gerade Verbindung mit Pfeil 22"/>
+          <p:cNvCxnSpPr>
+            <a:stCxn id="17" idx="6"/>
+            <a:endCxn id="19" idx="2"/>
+          </p:cNvCxnSpPr>
+          <p:nvPr/>
+        </p:nvCxnSpPr>
+        <p:spPr>
+          <a:xfrm flipV="1">
+            <a:off x="10636704" y="2704415"/>
+            <a:ext cx="443252" cy="3"/>
+          </a:xfrm>
+          <a:prstGeom prst="straightConnector1">
+            <a:avLst/>
+          </a:prstGeom>
+          <a:ln>
+            <a:headEnd type="none" w="med" len="med"/>
+            <a:tailEnd type="none" w="med" len="med"/>
+          </a:ln>
+        </p:spPr>
+        <p:style>
+          <a:lnRef idx="2">
+            <a:schemeClr val="dk1"/>
+          </a:lnRef>
+          <a:fillRef idx="1">
+            <a:schemeClr val="lt1"/>
+          </a:fillRef>
+          <a:effectRef idx="0">
+            <a:schemeClr val="dk1"/>
+          </a:effectRef>
+          <a:fontRef idx="minor">
+            <a:schemeClr val="dk1"/>
+          </a:fontRef>
+        </p:style>
+      </p:cxnSp>
+      <p:cxnSp>
+        <p:nvCxnSpPr>
+          <p:cNvPr id="24" name="Gerade Verbindung mit Pfeil 23"/>
+          <p:cNvCxnSpPr>
+            <a:stCxn id="18" idx="7"/>
+            <a:endCxn id="19" idx="3"/>
+          </p:cNvCxnSpPr>
+          <p:nvPr/>
+        </p:nvCxnSpPr>
+        <p:spPr>
+          <a:xfrm flipV="1">
+            <a:off x="10600237" y="2792453"/>
+            <a:ext cx="516186" cy="403137"/>
+          </a:xfrm>
+          <a:prstGeom prst="straightConnector1">
+            <a:avLst/>
+          </a:prstGeom>
+          <a:ln>
+            <a:headEnd type="none" w="med" len="med"/>
+            <a:tailEnd type="none" w="med" len="med"/>
+          </a:ln>
+        </p:spPr>
+        <p:style>
+          <a:lnRef idx="2">
+            <a:schemeClr val="dk1"/>
+          </a:lnRef>
+          <a:fillRef idx="1">
+            <a:schemeClr val="lt1"/>
+          </a:fillRef>
+          <a:effectRef idx="0">
+            <a:schemeClr val="dk1"/>
+          </a:effectRef>
+          <a:fontRef idx="minor">
+            <a:schemeClr val="dk1"/>
+          </a:fontRef>
+        </p:style>
+      </p:cxnSp>
+      <p:sp>
+        <p:nvSpPr>
+          <p:cNvPr id="30" name="Abgerundetes Rechteck 29"/>
+          <p:cNvSpPr/>
+          <p:nvPr/>
+        </p:nvSpPr>
+        <p:spPr>
+          <a:xfrm>
+            <a:off x="7470321" y="3719104"/>
+            <a:ext cx="1890032" cy="1036864"/>
+          </a:xfrm>
+          <a:prstGeom prst="roundRect">
+            <a:avLst/>
+          </a:prstGeom>
+          <a:ln>
+            <a:prstDash val="dash"/>
+          </a:ln>
+        </p:spPr>
+        <p:style>
+          <a:lnRef idx="2">
+            <a:schemeClr val="dk1"/>
+          </a:lnRef>
+          <a:fillRef idx="1">
+            <a:schemeClr val="lt1"/>
+          </a:fillRef>
+          <a:effectRef idx="0">
+            <a:schemeClr val="dk1"/>
+          </a:effectRef>
+          <a:fontRef idx="minor">
+            <a:schemeClr val="dk1"/>
+          </a:fontRef>
+        </p:style>
+        <p:txBody>
+          <a:bodyPr rtlCol="0" anchor="ctr"/>
+          <a:lstStyle/>
+          <a:p>
+            <a:pPr algn="ctr"/>
+            <a:endParaRPr lang="de-DE"/>
+          </a:p>
+        </p:txBody>
+      </p:sp>
+      <p:sp>
+        <p:nvSpPr>
+          <p:cNvPr id="31" name="Ellipse 30"/>
+          <p:cNvSpPr/>
+          <p:nvPr/>
+        </p:nvSpPr>
+        <p:spPr>
+          <a:xfrm>
+            <a:off x="7572037" y="3829321"/>
+            <a:ext cx="249011" cy="249011"/>
+          </a:xfrm>
+          <a:prstGeom prst="ellipse">
+            <a:avLst/>
+          </a:prstGeom>
+        </p:spPr>
+        <p:style>
+          <a:lnRef idx="2">
+            <a:schemeClr val="dk1"/>
+          </a:lnRef>
+          <a:fillRef idx="1">
+            <a:schemeClr val="lt1"/>
+          </a:fillRef>
+          <a:effectRef idx="0">
+            <a:schemeClr val="dk1"/>
+          </a:effectRef>
+          <a:fontRef idx="minor">
+            <a:schemeClr val="dk1"/>
+          </a:fontRef>
+        </p:style>
+        <p:txBody>
+          <a:bodyPr rtlCol="0" anchor="ctr"/>
+          <a:lstStyle/>
+          <a:p>
+            <a:pPr algn="ctr"/>
+            <a:r>
+              <a:rPr lang="de-DE" dirty="0" smtClean="0"/>
+              <a:t>1</a:t>
+            </a:r>
+            <a:endParaRPr lang="de-DE" dirty="0"/>
+          </a:p>
+        </p:txBody>
+      </p:sp>
+      <p:sp>
+        <p:nvSpPr>
+          <p:cNvPr id="32" name="Ellipse 31"/>
+          <p:cNvSpPr/>
+          <p:nvPr/>
+        </p:nvSpPr>
+        <p:spPr>
+          <a:xfrm>
+            <a:off x="8267362" y="3829320"/>
+            <a:ext cx="249011" cy="249011"/>
+          </a:xfrm>
+          <a:prstGeom prst="ellipse">
+            <a:avLst/>
+          </a:prstGeom>
+        </p:spPr>
+        <p:style>
+          <a:lnRef idx="2">
+            <a:schemeClr val="dk1"/>
+          </a:lnRef>
+          <a:fillRef idx="1">
+            <a:schemeClr val="lt1"/>
+          </a:fillRef>
+          <a:effectRef idx="0">
+            <a:schemeClr val="dk1"/>
+          </a:effectRef>
+          <a:fontRef idx="minor">
+            <a:schemeClr val="dk1"/>
+          </a:fontRef>
+        </p:style>
+        <p:txBody>
+          <a:bodyPr rtlCol="0" anchor="ctr"/>
+          <a:lstStyle/>
+          <a:p>
+            <a:pPr algn="ctr"/>
+            <a:r>
+              <a:rPr lang="de-DE" dirty="0" smtClean="0"/>
+              <a:t>2</a:t>
+            </a:r>
+            <a:endParaRPr lang="de-DE" dirty="0"/>
+          </a:p>
+        </p:txBody>
+      </p:sp>
+      <p:sp>
+        <p:nvSpPr>
+          <p:cNvPr id="33" name="Ellipse 32"/>
+          <p:cNvSpPr/>
+          <p:nvPr/>
+        </p:nvSpPr>
+        <p:spPr>
+          <a:xfrm>
+            <a:off x="8267362" y="4408531"/>
+            <a:ext cx="249011" cy="249011"/>
+          </a:xfrm>
+          <a:prstGeom prst="ellipse">
+            <a:avLst/>
+          </a:prstGeom>
+        </p:spPr>
+        <p:style>
+          <a:lnRef idx="2">
+            <a:schemeClr val="dk1"/>
+          </a:lnRef>
+          <a:fillRef idx="1">
+            <a:schemeClr val="lt1"/>
+          </a:fillRef>
+          <a:effectRef idx="0">
+            <a:schemeClr val="dk1"/>
+          </a:effectRef>
+          <a:fontRef idx="minor">
+            <a:schemeClr val="dk1"/>
+          </a:fontRef>
+        </p:style>
+        <p:txBody>
+          <a:bodyPr rtlCol="0" anchor="ctr"/>
+          <a:lstStyle/>
+          <a:p>
+            <a:pPr algn="ctr"/>
+            <a:r>
+              <a:rPr lang="de-DE" dirty="0" smtClean="0"/>
+              <a:t>3</a:t>
+            </a:r>
+            <a:endParaRPr lang="de-DE" dirty="0"/>
+          </a:p>
+        </p:txBody>
+      </p:sp>
+      <p:sp>
+        <p:nvSpPr>
+          <p:cNvPr id="34" name="Ellipse 33"/>
+          <p:cNvSpPr/>
+          <p:nvPr/>
+        </p:nvSpPr>
+        <p:spPr>
+          <a:xfrm>
+            <a:off x="8959625" y="3829317"/>
+            <a:ext cx="249011" cy="249011"/>
+          </a:xfrm>
+          <a:prstGeom prst="ellipse">
+            <a:avLst/>
+          </a:prstGeom>
+        </p:spPr>
+        <p:style>
+          <a:lnRef idx="2">
+            <a:schemeClr val="dk1"/>
+          </a:lnRef>
+          <a:fillRef idx="1">
+            <a:schemeClr val="lt1"/>
+          </a:fillRef>
+          <a:effectRef idx="0">
+            <a:schemeClr val="dk1"/>
+          </a:effectRef>
+          <a:fontRef idx="minor">
+            <a:schemeClr val="dk1"/>
+          </a:fontRef>
+        </p:style>
+        <p:txBody>
+          <a:bodyPr rtlCol="0" anchor="ctr"/>
+          <a:lstStyle/>
+          <a:p>
+            <a:pPr algn="ctr"/>
+            <a:r>
+              <a:rPr lang="de-DE" dirty="0" smtClean="0"/>
+              <a:t>4</a:t>
+            </a:r>
+            <a:endParaRPr lang="de-DE" dirty="0"/>
+          </a:p>
+        </p:txBody>
+      </p:sp>
+      <p:sp>
+        <p:nvSpPr>
+          <p:cNvPr id="35" name="Ellipse 34"/>
+          <p:cNvSpPr/>
+          <p:nvPr/>
+        </p:nvSpPr>
+        <p:spPr>
+          <a:xfrm>
+            <a:off x="8959625" y="4408531"/>
+            <a:ext cx="249011" cy="249011"/>
+          </a:xfrm>
+          <a:prstGeom prst="ellipse">
+            <a:avLst/>
+          </a:prstGeom>
+        </p:spPr>
+        <p:style>
+          <a:lnRef idx="2">
+            <a:schemeClr val="dk1"/>
+          </a:lnRef>
+          <a:fillRef idx="1">
+            <a:schemeClr val="lt1"/>
+          </a:fillRef>
+          <a:effectRef idx="0">
+            <a:schemeClr val="dk1"/>
+          </a:effectRef>
+          <a:fontRef idx="minor">
+            <a:schemeClr val="dk1"/>
+          </a:fontRef>
+        </p:style>
+        <p:txBody>
+          <a:bodyPr rtlCol="0" anchor="ctr"/>
+          <a:lstStyle/>
+          <a:p>
+            <a:pPr algn="ctr"/>
+            <a:r>
+              <a:rPr lang="de-DE" dirty="0"/>
+              <a:t>5</a:t>
+            </a:r>
+          </a:p>
+        </p:txBody>
+      </p:sp>
+      <p:cxnSp>
+        <p:nvCxnSpPr>
+          <p:cNvPr id="36" name="Gerade Verbindung mit Pfeil 35"/>
+          <p:cNvCxnSpPr>
+            <a:stCxn id="31" idx="6"/>
+            <a:endCxn id="32" idx="2"/>
+          </p:cNvCxnSpPr>
+          <p:nvPr/>
+        </p:nvCxnSpPr>
+        <p:spPr>
+          <a:xfrm flipV="1">
+            <a:off x="7821048" y="3953826"/>
+            <a:ext cx="446314" cy="1"/>
+          </a:xfrm>
+          <a:prstGeom prst="straightConnector1">
+            <a:avLst/>
+          </a:prstGeom>
+          <a:ln>
+            <a:headEnd type="none" w="med" len="med"/>
+            <a:tailEnd type="none" w="med" len="med"/>
+          </a:ln>
+        </p:spPr>
+        <p:style>
+          <a:lnRef idx="2">
+            <a:schemeClr val="dk1"/>
+          </a:lnRef>
+          <a:fillRef idx="1">
+            <a:schemeClr val="lt1"/>
+          </a:fillRef>
+          <a:effectRef idx="0">
+            <a:schemeClr val="dk1"/>
+          </a:effectRef>
+          <a:fontRef idx="minor">
+            <a:schemeClr val="dk1"/>
+          </a:fontRef>
+        </p:style>
+      </p:cxnSp>
+      <p:cxnSp>
+        <p:nvCxnSpPr>
+          <p:cNvPr id="37" name="Gerade Verbindung mit Pfeil 36"/>
+          <p:cNvCxnSpPr>
+            <a:stCxn id="31" idx="5"/>
+            <a:endCxn id="33" idx="1"/>
+          </p:cNvCxnSpPr>
+          <p:nvPr/>
+        </p:nvCxnSpPr>
+        <p:spPr>
+          <a:xfrm>
+            <a:off x="7784581" y="4041865"/>
+            <a:ext cx="519248" cy="403133"/>
+          </a:xfrm>
+          <a:prstGeom prst="straightConnector1">
+            <a:avLst/>
+          </a:prstGeom>
+          <a:ln>
+            <a:headEnd type="none" w="med" len="med"/>
+            <a:tailEnd type="none" w="med" len="med"/>
+          </a:ln>
+        </p:spPr>
+        <p:style>
+          <a:lnRef idx="2">
+            <a:schemeClr val="dk1"/>
+          </a:lnRef>
+          <a:fillRef idx="1">
+            <a:schemeClr val="lt1"/>
+          </a:fillRef>
+          <a:effectRef idx="0">
+            <a:schemeClr val="dk1"/>
+          </a:effectRef>
+          <a:fontRef idx="minor">
+            <a:schemeClr val="dk1"/>
+          </a:fontRef>
+        </p:style>
+      </p:cxnSp>
+      <p:cxnSp>
+        <p:nvCxnSpPr>
+          <p:cNvPr id="39" name="Gerade Verbindung mit Pfeil 38"/>
+          <p:cNvCxnSpPr>
+            <a:stCxn id="33" idx="0"/>
+            <a:endCxn id="32" idx="4"/>
+          </p:cNvCxnSpPr>
+          <p:nvPr/>
+        </p:nvCxnSpPr>
+        <p:spPr>
+          <a:xfrm flipV="1">
+            <a:off x="8391868" y="4078331"/>
+            <a:ext cx="0" cy="330200"/>
+          </a:xfrm>
+          <a:prstGeom prst="straightConnector1">
+            <a:avLst/>
+          </a:prstGeom>
+          <a:ln>
+            <a:headEnd type="none" w="med" len="med"/>
+            <a:tailEnd type="none" w="med" len="med"/>
+          </a:ln>
+        </p:spPr>
+        <p:style>
+          <a:lnRef idx="2">
+            <a:schemeClr val="dk1"/>
+          </a:lnRef>
+          <a:fillRef idx="1">
+            <a:schemeClr val="lt1"/>
+          </a:fillRef>
+          <a:effectRef idx="0">
+            <a:schemeClr val="dk1"/>
+          </a:effectRef>
+          <a:fontRef idx="minor">
+            <a:schemeClr val="dk1"/>
+          </a:fontRef>
+        </p:style>
+      </p:cxnSp>
+      <p:cxnSp>
+        <p:nvCxnSpPr>
+          <p:cNvPr id="43" name="Gerader Verbinder 42"/>
+          <p:cNvCxnSpPr>
+            <a:stCxn id="34" idx="4"/>
+            <a:endCxn id="35" idx="0"/>
+          </p:cNvCxnSpPr>
+          <p:nvPr/>
+        </p:nvCxnSpPr>
+        <p:spPr>
+          <a:xfrm>
+            <a:off x="9084131" y="4078328"/>
+            <a:ext cx="0" cy="330203"/>
+          </a:xfrm>
+          <a:prstGeom prst="line">
+            <a:avLst/>
+          </a:prstGeom>
+        </p:spPr>
+        <p:style>
+          <a:lnRef idx="2">
+            <a:schemeClr val="dk1"/>
+          </a:lnRef>
+          <a:fillRef idx="0">
+            <a:schemeClr val="dk1"/>
+          </a:fillRef>
+          <a:effectRef idx="1">
+            <a:schemeClr val="dk1"/>
+          </a:effectRef>
+          <a:fontRef idx="minor">
+            <a:schemeClr val="tx1"/>
+          </a:fontRef>
+        </p:style>
+      </p:cxnSp>
+      <p:sp>
+        <p:nvSpPr>
+          <p:cNvPr id="44" name="Abgerundetes Rechteck 43"/>
+          <p:cNvSpPr/>
+          <p:nvPr/>
+        </p:nvSpPr>
+        <p:spPr>
+          <a:xfrm>
+            <a:off x="9590652" y="3719104"/>
+            <a:ext cx="1890032" cy="1036864"/>
+          </a:xfrm>
+          <a:prstGeom prst="roundRect">
+            <a:avLst/>
+          </a:prstGeom>
+          <a:ln>
+            <a:prstDash val="dash"/>
+          </a:ln>
+        </p:spPr>
+        <p:style>
+          <a:lnRef idx="2">
+            <a:schemeClr val="dk1"/>
+          </a:lnRef>
+          <a:fillRef idx="1">
+            <a:schemeClr val="lt1"/>
+          </a:fillRef>
+          <a:effectRef idx="0">
+            <a:schemeClr val="dk1"/>
+          </a:effectRef>
+          <a:fontRef idx="minor">
+            <a:schemeClr val="dk1"/>
+          </a:fontRef>
+        </p:style>
+        <p:txBody>
+          <a:bodyPr rtlCol="0" anchor="ctr"/>
+          <a:lstStyle/>
+          <a:p>
+            <a:pPr algn="ctr"/>
+            <a:endParaRPr lang="de-DE"/>
+          </a:p>
+        </p:txBody>
+      </p:sp>
+      <p:sp>
+        <p:nvSpPr>
+          <p:cNvPr id="45" name="Ellipse 44"/>
+          <p:cNvSpPr/>
+          <p:nvPr/>
+        </p:nvSpPr>
+        <p:spPr>
+          <a:xfrm>
+            <a:off x="9692368" y="3829321"/>
+            <a:ext cx="249011" cy="249011"/>
+          </a:xfrm>
+          <a:prstGeom prst="ellipse">
+            <a:avLst/>
+          </a:prstGeom>
+        </p:spPr>
+        <p:style>
+          <a:lnRef idx="2">
+            <a:schemeClr val="dk1"/>
+          </a:lnRef>
+          <a:fillRef idx="1">
+            <a:schemeClr val="lt1"/>
+          </a:fillRef>
+          <a:effectRef idx="0">
+            <a:schemeClr val="dk1"/>
+          </a:effectRef>
+          <a:fontRef idx="minor">
+            <a:schemeClr val="dk1"/>
+          </a:fontRef>
+        </p:style>
+        <p:txBody>
+          <a:bodyPr rtlCol="0" anchor="ctr"/>
+          <a:lstStyle/>
+          <a:p>
+            <a:pPr algn="ctr"/>
+            <a:r>
+              <a:rPr lang="de-DE" dirty="0" smtClean="0"/>
+              <a:t>1</a:t>
+            </a:r>
+            <a:endParaRPr lang="de-DE" dirty="0"/>
+          </a:p>
+        </p:txBody>
+      </p:sp>
+      <p:sp>
+        <p:nvSpPr>
+          <p:cNvPr id="46" name="Ellipse 45"/>
+          <p:cNvSpPr/>
+          <p:nvPr/>
+        </p:nvSpPr>
+        <p:spPr>
+          <a:xfrm>
+            <a:off x="10387693" y="3829320"/>
+            <a:ext cx="249011" cy="249011"/>
+          </a:xfrm>
+          <a:prstGeom prst="ellipse">
+            <a:avLst/>
+          </a:prstGeom>
+        </p:spPr>
+        <p:style>
+          <a:lnRef idx="2">
+            <a:schemeClr val="dk1"/>
+          </a:lnRef>
+          <a:fillRef idx="1">
+            <a:schemeClr val="lt1"/>
+          </a:fillRef>
+          <a:effectRef idx="0">
+            <a:schemeClr val="dk1"/>
+          </a:effectRef>
+          <a:fontRef idx="minor">
+            <a:schemeClr val="dk1"/>
+          </a:fontRef>
+        </p:style>
+        <p:txBody>
+          <a:bodyPr rtlCol="0" anchor="ctr"/>
+          <a:lstStyle/>
+          <a:p>
+            <a:pPr algn="ctr"/>
+            <a:r>
+              <a:rPr lang="de-DE" dirty="0" smtClean="0"/>
+              <a:t>2</a:t>
+            </a:r>
+            <a:endParaRPr lang="de-DE" dirty="0"/>
+          </a:p>
+        </p:txBody>
+      </p:sp>
+      <p:sp>
+        <p:nvSpPr>
+          <p:cNvPr id="47" name="Ellipse 46"/>
+          <p:cNvSpPr/>
+          <p:nvPr/>
+        </p:nvSpPr>
+        <p:spPr>
+          <a:xfrm>
+            <a:off x="10387693" y="4408531"/>
+            <a:ext cx="249011" cy="249011"/>
+          </a:xfrm>
+          <a:prstGeom prst="ellipse">
+            <a:avLst/>
+          </a:prstGeom>
+        </p:spPr>
+        <p:style>
+          <a:lnRef idx="2">
+            <a:schemeClr val="dk1"/>
+          </a:lnRef>
+          <a:fillRef idx="1">
+            <a:schemeClr val="lt1"/>
+          </a:fillRef>
+          <a:effectRef idx="0">
+            <a:schemeClr val="dk1"/>
+          </a:effectRef>
+          <a:fontRef idx="minor">
+            <a:schemeClr val="dk1"/>
+          </a:fontRef>
+        </p:style>
+        <p:txBody>
+          <a:bodyPr rtlCol="0" anchor="ctr"/>
+          <a:lstStyle/>
+          <a:p>
+            <a:pPr algn="ctr"/>
+            <a:r>
+              <a:rPr lang="de-DE" dirty="0" smtClean="0"/>
+              <a:t>3</a:t>
+            </a:r>
+            <a:endParaRPr lang="de-DE" dirty="0"/>
+          </a:p>
+        </p:txBody>
+      </p:sp>
+      <p:sp>
+        <p:nvSpPr>
+          <p:cNvPr id="48" name="Ellipse 47"/>
+          <p:cNvSpPr/>
+          <p:nvPr/>
+        </p:nvSpPr>
+        <p:spPr>
+          <a:xfrm>
+            <a:off x="11079956" y="3829317"/>
+            <a:ext cx="249011" cy="249011"/>
+          </a:xfrm>
+          <a:prstGeom prst="ellipse">
+            <a:avLst/>
+          </a:prstGeom>
+        </p:spPr>
+        <p:style>
+          <a:lnRef idx="2">
+            <a:schemeClr val="dk1"/>
+          </a:lnRef>
+          <a:fillRef idx="1">
+            <a:schemeClr val="lt1"/>
+          </a:fillRef>
+          <a:effectRef idx="0">
+            <a:schemeClr val="dk1"/>
+          </a:effectRef>
+          <a:fontRef idx="minor">
+            <a:schemeClr val="dk1"/>
+          </a:fontRef>
+        </p:style>
+        <p:txBody>
+          <a:bodyPr rtlCol="0" anchor="ctr"/>
+          <a:lstStyle/>
+          <a:p>
+            <a:pPr algn="ctr"/>
+            <a:r>
+              <a:rPr lang="de-DE" dirty="0" smtClean="0"/>
+              <a:t>4</a:t>
+            </a:r>
+            <a:endParaRPr lang="de-DE" dirty="0"/>
+          </a:p>
+        </p:txBody>
+      </p:sp>
+      <p:sp>
+        <p:nvSpPr>
+          <p:cNvPr id="49" name="Ellipse 48"/>
+          <p:cNvSpPr/>
+          <p:nvPr/>
+        </p:nvSpPr>
+        <p:spPr>
+          <a:xfrm>
+            <a:off x="11079956" y="4408531"/>
+            <a:ext cx="249011" cy="249011"/>
+          </a:xfrm>
+          <a:prstGeom prst="ellipse">
+            <a:avLst/>
+          </a:prstGeom>
+        </p:spPr>
+        <p:style>
+          <a:lnRef idx="2">
+            <a:schemeClr val="dk1"/>
+          </a:lnRef>
+          <a:fillRef idx="1">
+            <a:schemeClr val="lt1"/>
+          </a:fillRef>
+          <a:effectRef idx="0">
+            <a:schemeClr val="dk1"/>
+          </a:effectRef>
+          <a:fontRef idx="minor">
+            <a:schemeClr val="dk1"/>
+          </a:fontRef>
+        </p:style>
+        <p:txBody>
+          <a:bodyPr rtlCol="0" anchor="ctr"/>
+          <a:lstStyle/>
+          <a:p>
+            <a:pPr algn="ctr"/>
+            <a:r>
+              <a:rPr lang="de-DE" dirty="0"/>
+              <a:t>5</a:t>
+            </a:r>
+          </a:p>
+        </p:txBody>
+      </p:sp>
+      <p:cxnSp>
+        <p:nvCxnSpPr>
+          <p:cNvPr id="50" name="Gerade Verbindung mit Pfeil 49"/>
+          <p:cNvCxnSpPr>
+            <a:stCxn id="48" idx="2"/>
+            <a:endCxn id="46" idx="6"/>
+          </p:cNvCxnSpPr>
+          <p:nvPr/>
+        </p:nvCxnSpPr>
+        <p:spPr>
+          <a:xfrm flipH="1">
+            <a:off x="10636704" y="3953823"/>
+            <a:ext cx="443252" cy="3"/>
+          </a:xfrm>
+          <a:prstGeom prst="straightConnector1">
+            <a:avLst/>
+          </a:prstGeom>
+          <a:ln>
+            <a:headEnd type="none" w="med" len="med"/>
+            <a:tailEnd type="none" w="med" len="med"/>
+          </a:ln>
+        </p:spPr>
+        <p:style>
+          <a:lnRef idx="2">
+            <a:schemeClr val="dk1"/>
+          </a:lnRef>
+          <a:fillRef idx="1">
+            <a:schemeClr val="lt1"/>
+          </a:fillRef>
+          <a:effectRef idx="0">
+            <a:schemeClr val="dk1"/>
+          </a:effectRef>
+          <a:fontRef idx="minor">
+            <a:schemeClr val="dk1"/>
+          </a:fontRef>
+        </p:style>
+      </p:cxnSp>
+      <p:cxnSp>
+        <p:nvCxnSpPr>
+          <p:cNvPr id="51" name="Gerade Verbindung mit Pfeil 50"/>
+          <p:cNvCxnSpPr>
+            <a:stCxn id="47" idx="0"/>
+            <a:endCxn id="46" idx="4"/>
+          </p:cNvCxnSpPr>
+          <p:nvPr/>
+        </p:nvCxnSpPr>
+        <p:spPr>
+          <a:xfrm flipV="1">
+            <a:off x="10512199" y="4078331"/>
+            <a:ext cx="0" cy="330200"/>
+          </a:xfrm>
+          <a:prstGeom prst="straightConnector1">
+            <a:avLst/>
+          </a:prstGeom>
+          <a:ln>
+            <a:headEnd type="none" w="med" len="med"/>
+            <a:tailEnd type="none" w="med" len="med"/>
+          </a:ln>
+        </p:spPr>
+        <p:style>
+          <a:lnRef idx="2">
+            <a:schemeClr val="dk1"/>
+          </a:lnRef>
+          <a:fillRef idx="1">
+            <a:schemeClr val="lt1"/>
+          </a:fillRef>
+          <a:effectRef idx="0">
+            <a:schemeClr val="dk1"/>
+          </a:effectRef>
+          <a:fontRef idx="minor">
+            <a:schemeClr val="dk1"/>
+          </a:fontRef>
+        </p:style>
+      </p:cxnSp>
+      <p:cxnSp>
+        <p:nvCxnSpPr>
+          <p:cNvPr id="52" name="Gerade Verbindung mit Pfeil 51"/>
+          <p:cNvCxnSpPr>
+            <a:stCxn id="47" idx="6"/>
+            <a:endCxn id="49" idx="2"/>
+          </p:cNvCxnSpPr>
+          <p:nvPr/>
+        </p:nvCxnSpPr>
+        <p:spPr>
+          <a:xfrm>
+            <a:off x="10636704" y="4533037"/>
+            <a:ext cx="443252" cy="0"/>
+          </a:xfrm>
+          <a:prstGeom prst="straightConnector1">
+            <a:avLst/>
+          </a:prstGeom>
+          <a:ln>
+            <a:headEnd type="none" w="med" len="med"/>
+            <a:tailEnd type="none" w="med" len="med"/>
+          </a:ln>
+        </p:spPr>
+        <p:style>
+          <a:lnRef idx="2">
+            <a:schemeClr val="dk1"/>
+          </a:lnRef>
+          <a:fillRef idx="1">
+            <a:schemeClr val="lt1"/>
+          </a:fillRef>
+          <a:effectRef idx="0">
+            <a:schemeClr val="dk1"/>
+          </a:effectRef>
+          <a:fontRef idx="minor">
+            <a:schemeClr val="dk1"/>
+          </a:fontRef>
+        </p:style>
+      </p:cxnSp>
+      <p:cxnSp>
+        <p:nvCxnSpPr>
+          <p:cNvPr id="53" name="Gerader Verbinder 52"/>
+          <p:cNvCxnSpPr>
+            <a:stCxn id="48" idx="4"/>
+            <a:endCxn id="49" idx="0"/>
+          </p:cNvCxnSpPr>
+          <p:nvPr/>
+        </p:nvCxnSpPr>
+        <p:spPr>
+          <a:xfrm>
+            <a:off x="11204462" y="4078328"/>
+            <a:ext cx="0" cy="330203"/>
+          </a:xfrm>
+          <a:prstGeom prst="line">
+            <a:avLst/>
+          </a:prstGeom>
+        </p:spPr>
+        <p:style>
+          <a:lnRef idx="2">
+            <a:schemeClr val="dk1"/>
+          </a:lnRef>
+          <a:fillRef idx="0">
+            <a:schemeClr val="dk1"/>
+          </a:fillRef>
+          <a:effectRef idx="1">
+            <a:schemeClr val="dk1"/>
+          </a:effectRef>
+          <a:fontRef idx="minor">
+            <a:schemeClr val="tx1"/>
+          </a:fontRef>
+        </p:style>
+      </p:cxnSp>
+      <p:sp>
+        <p:nvSpPr>
+          <p:cNvPr id="63" name="Raute 62"/>
+          <p:cNvSpPr/>
+          <p:nvPr/>
+        </p:nvSpPr>
+        <p:spPr>
+          <a:xfrm>
+            <a:off x="7583874" y="3063646"/>
+            <a:ext cx="342901" cy="344488"/>
+          </a:xfrm>
+          <a:prstGeom prst="diamond">
+            <a:avLst/>
+          </a:prstGeom>
+        </p:spPr>
+        <p:style>
+          <a:lnRef idx="2">
+            <a:schemeClr val="dk1">
+              <a:shade val="50000"/>
+            </a:schemeClr>
+          </a:lnRef>
+          <a:fillRef idx="1">
+            <a:schemeClr val="dk1"/>
+          </a:fillRef>
+          <a:effectRef idx="0">
+            <a:schemeClr val="dk1"/>
+          </a:effectRef>
+          <a:fontRef idx="minor">
+            <a:schemeClr val="lt1"/>
+          </a:fontRef>
+        </p:style>
+        <p:txBody>
+          <a:bodyPr rtlCol="0" anchor="ctr"/>
+          <a:lstStyle/>
+          <a:p>
+            <a:pPr algn="ctr"/>
+            <a:r>
+              <a:rPr lang="de-DE" sz="1400" dirty="0" smtClean="0"/>
+              <a:t>A</a:t>
+            </a:r>
+            <a:endParaRPr lang="de-DE" sz="1400" dirty="0"/>
+          </a:p>
+        </p:txBody>
+      </p:sp>
+      <p:sp>
+        <p:nvSpPr>
+          <p:cNvPr id="64" name="Raute 63"/>
+          <p:cNvSpPr/>
+          <p:nvPr/>
+        </p:nvSpPr>
+        <p:spPr>
+          <a:xfrm>
+            <a:off x="9645423" y="3063646"/>
+            <a:ext cx="342901" cy="344488"/>
+          </a:xfrm>
+          <a:prstGeom prst="diamond">
+            <a:avLst/>
+          </a:prstGeom>
+        </p:spPr>
+        <p:style>
+          <a:lnRef idx="2">
+            <a:schemeClr val="dk1">
+              <a:shade val="50000"/>
+            </a:schemeClr>
+          </a:lnRef>
+          <a:fillRef idx="1">
+            <a:schemeClr val="dk1"/>
+          </a:fillRef>
+          <a:effectRef idx="0">
+            <a:schemeClr val="dk1"/>
+          </a:effectRef>
+          <a:fontRef idx="minor">
+            <a:schemeClr val="lt1"/>
+          </a:fontRef>
+        </p:style>
+        <p:txBody>
+          <a:bodyPr rtlCol="0" anchor="ctr"/>
+          <a:lstStyle/>
+          <a:p>
+            <a:pPr algn="ctr"/>
+            <a:r>
+              <a:rPr lang="de-DE" sz="1400" dirty="0" smtClean="0"/>
+              <a:t>B</a:t>
+            </a:r>
+            <a:endParaRPr lang="de-DE" sz="1400" dirty="0"/>
+          </a:p>
+        </p:txBody>
+      </p:sp>
+      <p:sp>
+        <p:nvSpPr>
+          <p:cNvPr id="65" name="Raute 64"/>
+          <p:cNvSpPr/>
+          <p:nvPr/>
+        </p:nvSpPr>
+        <p:spPr>
+          <a:xfrm>
+            <a:off x="7593910" y="4313054"/>
+            <a:ext cx="342901" cy="344488"/>
+          </a:xfrm>
+          <a:prstGeom prst="diamond">
+            <a:avLst/>
+          </a:prstGeom>
+        </p:spPr>
+        <p:style>
+          <a:lnRef idx="2">
+            <a:schemeClr val="dk1">
+              <a:shade val="50000"/>
+            </a:schemeClr>
+          </a:lnRef>
+          <a:fillRef idx="1">
+            <a:schemeClr val="dk1"/>
+          </a:fillRef>
+          <a:effectRef idx="0">
+            <a:schemeClr val="dk1"/>
+          </a:effectRef>
+          <a:fontRef idx="minor">
+            <a:schemeClr val="lt1"/>
+          </a:fontRef>
+        </p:style>
+        <p:txBody>
+          <a:bodyPr rtlCol="0" anchor="ctr"/>
+          <a:lstStyle/>
+          <a:p>
+            <a:pPr algn="ctr"/>
+            <a:r>
+              <a:rPr lang="de-DE" sz="1400" dirty="0" smtClean="0"/>
+              <a:t>C</a:t>
+            </a:r>
+            <a:endParaRPr lang="de-DE" sz="1400" dirty="0"/>
+          </a:p>
+        </p:txBody>
+      </p:sp>
+      <p:sp>
+        <p:nvSpPr>
+          <p:cNvPr id="66" name="Raute 65"/>
+          <p:cNvSpPr/>
+          <p:nvPr/>
+        </p:nvSpPr>
+        <p:spPr>
+          <a:xfrm>
+            <a:off x="9709714" y="4315615"/>
+            <a:ext cx="342901" cy="344488"/>
+          </a:xfrm>
+          <a:prstGeom prst="diamond">
+            <a:avLst/>
+          </a:prstGeom>
+        </p:spPr>
+        <p:style>
+          <a:lnRef idx="2">
+            <a:schemeClr val="dk1">
+              <a:shade val="50000"/>
+            </a:schemeClr>
+          </a:lnRef>
+          <a:fillRef idx="1">
+            <a:schemeClr val="dk1"/>
+          </a:fillRef>
+          <a:effectRef idx="0">
+            <a:schemeClr val="dk1"/>
+          </a:effectRef>
+          <a:fontRef idx="minor">
+            <a:schemeClr val="lt1"/>
+          </a:fontRef>
+        </p:style>
+        <p:txBody>
+          <a:bodyPr rtlCol="0" anchor="ctr"/>
+          <a:lstStyle/>
+          <a:p>
+            <a:pPr algn="ctr"/>
+            <a:r>
+              <a:rPr lang="de-DE" sz="1400" dirty="0" smtClean="0"/>
+              <a:t>D</a:t>
+            </a:r>
+            <a:endParaRPr lang="de-DE" sz="1400" dirty="0"/>
+          </a:p>
+        </p:txBody>
+      </p:sp>
+      <mc:AlternateContent xmlns:mc="http://schemas.openxmlformats.org/markup-compatibility/2006">
+        <mc:Choice xmlns:a14="http://schemas.microsoft.com/office/drawing/2010/main" Requires="a14">
+          <p:sp>
+            <p:nvSpPr>
+              <p:cNvPr id="67" name="Textfeld 66"/>
+              <p:cNvSpPr txBox="1"/>
+              <p:nvPr/>
+            </p:nvSpPr>
+            <p:spPr>
+              <a:xfrm>
+                <a:off x="2764701" y="5109195"/>
+                <a:ext cx="3147144" cy="798232"/>
+              </a:xfrm>
+              <a:prstGeom prst="rect">
+                <a:avLst/>
+              </a:prstGeom>
+              <a:noFill/>
+            </p:spPr>
+            <p:txBody>
+              <a:bodyPr wrap="none" lIns="0" tIns="0" rIns="0" bIns="0" rtlCol="0">
+                <a:spAutoFit/>
+              </a:bodyPr>
+              <a:lstStyle/>
+              <a:p>
+                <a14:m>
+                  <m:oMathPara xmlns:m="http://schemas.openxmlformats.org/officeDocument/2006/math">
+                    <m:oMathParaPr>
+                      <m:jc m:val="centerGroup"/>
+                    </m:oMathParaPr>
+                    <m:oMath xmlns:m="http://schemas.openxmlformats.org/officeDocument/2006/math">
+                      <m:f>
+                        <m:fPr>
+                          <m:ctrlPr>
+                            <a:rPr lang="de-DE" i="1" smtClean="0">
+                              <a:latin typeface="Cambria Math" panose="02040503050406030204" pitchFamily="18" charset="0"/>
+                            </a:rPr>
+                          </m:ctrlPr>
+                        </m:fPr>
+                        <m:num>
+                          <m:r>
+                            <a:rPr lang="de-DE" b="0" i="1" smtClean="0">
+                              <a:latin typeface="Cambria Math" panose="02040503050406030204" pitchFamily="18" charset="0"/>
+                            </a:rPr>
+                            <m:t>𝑀</m:t>
+                          </m:r>
+                        </m:num>
+                        <m:den>
+                          <m:r>
+                            <a:rPr lang="de-DE" b="0" i="1" smtClean="0">
+                              <a:latin typeface="Cambria Math" panose="02040503050406030204" pitchFamily="18" charset="0"/>
+                            </a:rPr>
+                            <m:t>𝐿𝑃𝑀</m:t>
+                          </m:r>
+                          <m:r>
+                            <a:rPr lang="de-DE" b="0" i="1" smtClean="0">
+                              <a:latin typeface="Cambria Math" panose="02040503050406030204" pitchFamily="18" charset="0"/>
+                            </a:rPr>
+                            <m:t>+1</m:t>
+                          </m:r>
+                        </m:den>
+                      </m:f>
+                      <m:nary>
+                        <m:naryPr>
+                          <m:chr m:val="∑"/>
+                          <m:ctrlPr>
+                            <a:rPr lang="de-DE" i="1" smtClean="0">
+                              <a:latin typeface="Cambria Math" panose="02040503050406030204" pitchFamily="18" charset="0"/>
+                            </a:rPr>
+                          </m:ctrlPr>
+                        </m:naryPr>
+                        <m:sub>
+                          <m:r>
+                            <m:rPr>
+                              <m:brk m:alnAt="23"/>
+                            </m:rPr>
+                            <a:rPr lang="de-DE" b="0" i="1" smtClean="0">
+                              <a:latin typeface="Cambria Math" panose="02040503050406030204" pitchFamily="18" charset="0"/>
+                            </a:rPr>
+                            <m:t>𝑖</m:t>
+                          </m:r>
+                          <m:r>
+                            <a:rPr lang="de-DE" b="0" i="1" smtClean="0">
+                              <a:latin typeface="Cambria Math" panose="02040503050406030204" pitchFamily="18" charset="0"/>
+                            </a:rPr>
+                            <m:t>=1</m:t>
+                          </m:r>
+                        </m:sub>
+                        <m:sup>
+                          <m:r>
+                            <a:rPr lang="de-DE" b="0" i="1" smtClean="0">
+                              <a:latin typeface="Cambria Math" panose="02040503050406030204" pitchFamily="18" charset="0"/>
+                            </a:rPr>
+                            <m:t>𝐿𝑃𝑀</m:t>
+                          </m:r>
+                        </m:sup>
+                        <m:e>
+                          <m:r>
+                            <a:rPr lang="de-DE" b="0" i="1" smtClean="0">
+                              <a:latin typeface="Cambria Math" panose="02040503050406030204" pitchFamily="18" charset="0"/>
+                            </a:rPr>
+                            <m:t>𝑖</m:t>
+                          </m:r>
+                        </m:e>
+                      </m:nary>
+                      <m:r>
+                        <a:rPr lang="de-DE" b="0" i="1" smtClean="0">
+                          <a:latin typeface="Cambria Math" panose="02040503050406030204" pitchFamily="18" charset="0"/>
+                        </a:rPr>
+                        <m:t>+</m:t>
+                      </m:r>
+                      <m:nary>
+                        <m:naryPr>
+                          <m:chr m:val="∑"/>
+                          <m:ctrlPr>
+                            <a:rPr lang="de-DE" b="0" i="1" smtClean="0">
+                              <a:latin typeface="Cambria Math" panose="02040503050406030204" pitchFamily="18" charset="0"/>
+                            </a:rPr>
+                          </m:ctrlPr>
+                        </m:naryPr>
+                        <m:sub>
+                          <m:r>
+                            <m:rPr>
+                              <m:brk m:alnAt="23"/>
+                            </m:rPr>
+                            <a:rPr lang="de-DE" b="0" i="1" smtClean="0">
+                              <a:latin typeface="Cambria Math" panose="02040503050406030204" pitchFamily="18" charset="0"/>
+                            </a:rPr>
+                            <m:t>𝑖</m:t>
+                          </m:r>
+                          <m:r>
+                            <a:rPr lang="de-DE" b="0" i="1" smtClean="0">
+                              <a:latin typeface="Cambria Math" panose="02040503050406030204" pitchFamily="18" charset="0"/>
+                            </a:rPr>
+                            <m:t>=1</m:t>
+                          </m:r>
+                        </m:sub>
+                        <m:sup>
+                          <m:r>
+                            <a:rPr lang="de-DE" b="0" i="1" smtClean="0">
+                              <a:latin typeface="Cambria Math" panose="02040503050406030204" pitchFamily="18" charset="0"/>
+                            </a:rPr>
+                            <m:t>𝑀</m:t>
+                          </m:r>
+                          <m:r>
+                            <a:rPr lang="de-DE" b="0" i="1" smtClean="0">
+                              <a:latin typeface="Cambria Math" panose="02040503050406030204" pitchFamily="18" charset="0"/>
+                            </a:rPr>
+                            <m:t> </m:t>
+                          </m:r>
+                          <m:r>
+                            <m:rPr>
+                              <m:sty m:val="p"/>
+                            </m:rPr>
+                            <a:rPr lang="de-DE" b="0" i="1" smtClean="0">
+                              <a:latin typeface="Cambria Math" panose="02040503050406030204" pitchFamily="18" charset="0"/>
+                            </a:rPr>
+                            <m:t>mod</m:t>
+                          </m:r>
+                          <m:r>
+                            <a:rPr lang="de-DE" b="0" i="1" smtClean="0">
+                              <a:latin typeface="Cambria Math" panose="02040503050406030204" pitchFamily="18" charset="0"/>
+                            </a:rPr>
+                            <m:t> </m:t>
+                          </m:r>
+                          <m:d>
+                            <m:dPr>
+                              <m:ctrlPr>
+                                <a:rPr lang="de-DE" b="0" i="1" smtClean="0">
+                                  <a:latin typeface="Cambria Math" panose="02040503050406030204" pitchFamily="18" charset="0"/>
+                                </a:rPr>
+                              </m:ctrlPr>
+                            </m:dPr>
+                            <m:e>
+                              <m:r>
+                                <a:rPr lang="de-DE" b="0" i="1" smtClean="0">
+                                  <a:latin typeface="Cambria Math" panose="02040503050406030204" pitchFamily="18" charset="0"/>
+                                </a:rPr>
+                                <m:t>𝐿</m:t>
+                              </m:r>
+                              <m:r>
+                                <a:rPr lang="de-DE" b="0" i="1" smtClean="0">
+                                  <a:latin typeface="Cambria Math" panose="02040503050406030204" pitchFamily="18" charset="0"/>
+                                </a:rPr>
+                                <m:t>+1</m:t>
+                              </m:r>
+                            </m:e>
+                          </m:d>
+                          <m:r>
+                            <a:rPr lang="de-DE" b="0" i="1" smtClean="0">
+                              <a:latin typeface="Cambria Math" panose="02040503050406030204" pitchFamily="18" charset="0"/>
+                            </a:rPr>
+                            <m:t>−1</m:t>
+                          </m:r>
+                        </m:sup>
+                        <m:e>
+                          <m:r>
+                            <a:rPr lang="de-DE" b="0" i="1" smtClean="0">
+                              <a:latin typeface="Cambria Math" panose="02040503050406030204" pitchFamily="18" charset="0"/>
+                            </a:rPr>
+                            <m:t>𝑖</m:t>
+                          </m:r>
+                        </m:e>
+                      </m:nary>
+                    </m:oMath>
+                  </m:oMathPara>
+                </a14:m>
+                <a:endParaRPr lang="de-DE" dirty="0"/>
+              </a:p>
+            </p:txBody>
+          </p:sp>
+        </mc:Choice>
+        <mc:Fallback>
+          <p:sp>
+            <p:nvSpPr>
+              <p:cNvPr id="67" name="Textfeld 66"/>
+              <p:cNvSpPr txBox="1">
+                <a:spLocks noRot="1" noChangeAspect="1" noMove="1" noResize="1" noEditPoints="1" noAdjustHandles="1" noChangeArrowheads="1" noChangeShapeType="1" noTextEdit="1"/>
+              </p:cNvSpPr>
+              <p:nvPr/>
+            </p:nvSpPr>
+            <p:spPr>
+              <a:xfrm>
+                <a:off x="2764701" y="5109195"/>
+                <a:ext cx="3147144" cy="798232"/>
+              </a:xfrm>
+              <a:prstGeom prst="rect">
+                <a:avLst/>
+              </a:prstGeom>
+              <a:blipFill rotWithShape="0">
+                <a:blip r:embed="rId2"/>
+                <a:stretch>
+                  <a:fillRect/>
+                </a:stretch>
+              </a:blipFill>
+            </p:spPr>
+            <p:txBody>
+              <a:bodyPr/>
+              <a:lstStyle/>
+              <a:p>
+                <a:r>
+                  <a:rPr lang="de-DE">
+                    <a:noFill/>
+                  </a:rPr>
+                  <a:t> </a:t>
+                </a:r>
+              </a:p>
+            </p:txBody>
+          </p:sp>
+        </mc:Fallback>
+      </mc:AlternateContent>
+      <mc:AlternateContent xmlns:mc="http://schemas.openxmlformats.org/markup-compatibility/2006">
+        <mc:Choice xmlns:a14="http://schemas.microsoft.com/office/drawing/2010/main" Requires="a14">
+          <p:sp>
+            <p:nvSpPr>
+              <p:cNvPr id="68" name="Textfeld 67"/>
+              <p:cNvSpPr txBox="1"/>
+              <p:nvPr/>
+            </p:nvSpPr>
+            <p:spPr>
+              <a:xfrm>
+                <a:off x="6561052" y="5140875"/>
+                <a:ext cx="5295168" cy="798232"/>
+              </a:xfrm>
+              <a:prstGeom prst="rect">
+                <a:avLst/>
+              </a:prstGeom>
+              <a:noFill/>
+            </p:spPr>
+            <p:txBody>
+              <a:bodyPr wrap="none" lIns="0" tIns="0" rIns="0" bIns="0" rtlCol="0">
+                <a:spAutoFit/>
+              </a:bodyPr>
+              <a:lstStyle/>
+              <a:p>
+                <a14:m>
+                  <m:oMathPara xmlns:m="http://schemas.openxmlformats.org/officeDocument/2006/math">
+                    <m:oMathParaPr>
+                      <m:jc m:val="centerGroup"/>
+                    </m:oMathParaPr>
+                    <m:oMath xmlns:m="http://schemas.openxmlformats.org/officeDocument/2006/math">
+                      <m:f>
+                        <m:fPr>
+                          <m:ctrlPr>
+                            <a:rPr lang="de-DE" i="1" smtClean="0">
+                              <a:solidFill>
+                                <a:schemeClr val="bg1">
+                                  <a:lumMod val="50000"/>
+                                </a:schemeClr>
+                              </a:solidFill>
+                              <a:latin typeface="Cambria Math" panose="02040503050406030204" pitchFamily="18" charset="0"/>
+                            </a:rPr>
+                          </m:ctrlPr>
+                        </m:fPr>
+                        <m:num>
+                          <m:r>
+                            <a:rPr lang="de-DE" b="0" i="1" smtClean="0">
+                              <a:solidFill>
+                                <a:schemeClr val="bg1">
+                                  <a:lumMod val="50000"/>
+                                </a:schemeClr>
+                              </a:solidFill>
+                              <a:latin typeface="Cambria Math" panose="02040503050406030204" pitchFamily="18" charset="0"/>
+                            </a:rPr>
+                            <m:t>5</m:t>
+                          </m:r>
+                        </m:num>
+                        <m:den>
+                          <m:r>
+                            <a:rPr lang="de-DE" b="0" i="1" smtClean="0">
+                              <a:solidFill>
+                                <a:schemeClr val="bg1">
+                                  <a:lumMod val="50000"/>
+                                </a:schemeClr>
+                              </a:solidFill>
+                              <a:latin typeface="Cambria Math" panose="02040503050406030204" pitchFamily="18" charset="0"/>
+                            </a:rPr>
+                            <m:t>2+1</m:t>
+                          </m:r>
+                        </m:den>
+                      </m:f>
+                      <m:nary>
+                        <m:naryPr>
+                          <m:chr m:val="∑"/>
+                          <m:ctrlPr>
+                            <a:rPr lang="de-DE" i="1" smtClean="0">
+                              <a:solidFill>
+                                <a:schemeClr val="bg1">
+                                  <a:lumMod val="50000"/>
+                                </a:schemeClr>
+                              </a:solidFill>
+                              <a:latin typeface="Cambria Math" panose="02040503050406030204" pitchFamily="18" charset="0"/>
+                            </a:rPr>
+                          </m:ctrlPr>
+                        </m:naryPr>
+                        <m:sub>
+                          <m:r>
+                            <m:rPr>
+                              <m:brk m:alnAt="23"/>
+                            </m:rPr>
+                            <a:rPr lang="de-DE" b="0" i="1" smtClean="0">
+                              <a:solidFill>
+                                <a:schemeClr val="bg1">
+                                  <a:lumMod val="50000"/>
+                                </a:schemeClr>
+                              </a:solidFill>
+                              <a:latin typeface="Cambria Math" panose="02040503050406030204" pitchFamily="18" charset="0"/>
+                            </a:rPr>
+                            <m:t>𝑖</m:t>
+                          </m:r>
+                          <m:r>
+                            <a:rPr lang="de-DE" b="0" i="1" smtClean="0">
+                              <a:solidFill>
+                                <a:schemeClr val="bg1">
+                                  <a:lumMod val="50000"/>
+                                </a:schemeClr>
+                              </a:solidFill>
+                              <a:latin typeface="Cambria Math" panose="02040503050406030204" pitchFamily="18" charset="0"/>
+                            </a:rPr>
+                            <m:t>=1</m:t>
+                          </m:r>
+                        </m:sub>
+                        <m:sup>
+                          <m:r>
+                            <a:rPr lang="de-DE" b="0" i="1" smtClean="0">
+                              <a:solidFill>
+                                <a:schemeClr val="bg1">
+                                  <a:lumMod val="50000"/>
+                                </a:schemeClr>
+                              </a:solidFill>
+                              <a:latin typeface="Cambria Math" panose="02040503050406030204" pitchFamily="18" charset="0"/>
+                            </a:rPr>
+                            <m:t>2</m:t>
+                          </m:r>
+                        </m:sup>
+                        <m:e>
+                          <m:r>
+                            <a:rPr lang="de-DE" b="0" i="1" smtClean="0">
+                              <a:solidFill>
+                                <a:schemeClr val="bg1">
+                                  <a:lumMod val="50000"/>
+                                </a:schemeClr>
+                              </a:solidFill>
+                              <a:latin typeface="Cambria Math" panose="02040503050406030204" pitchFamily="18" charset="0"/>
+                            </a:rPr>
+                            <m:t>𝑖</m:t>
+                          </m:r>
+                        </m:e>
+                      </m:nary>
+                      <m:r>
+                        <a:rPr lang="de-DE" b="0" i="1" smtClean="0">
+                          <a:solidFill>
+                            <a:schemeClr val="bg1">
+                              <a:lumMod val="50000"/>
+                            </a:schemeClr>
+                          </a:solidFill>
+                          <a:latin typeface="Cambria Math" panose="02040503050406030204" pitchFamily="18" charset="0"/>
+                        </a:rPr>
+                        <m:t>+</m:t>
+                      </m:r>
+                      <m:nary>
+                        <m:naryPr>
+                          <m:chr m:val="∑"/>
+                          <m:ctrlPr>
+                            <a:rPr lang="de-DE" b="0" i="1" smtClean="0">
+                              <a:solidFill>
+                                <a:schemeClr val="bg1">
+                                  <a:lumMod val="50000"/>
+                                </a:schemeClr>
+                              </a:solidFill>
+                              <a:latin typeface="Cambria Math" panose="02040503050406030204" pitchFamily="18" charset="0"/>
+                            </a:rPr>
+                          </m:ctrlPr>
+                        </m:naryPr>
+                        <m:sub>
+                          <m:r>
+                            <m:rPr>
+                              <m:brk m:alnAt="23"/>
+                            </m:rPr>
+                            <a:rPr lang="de-DE" b="0" i="1" smtClean="0">
+                              <a:solidFill>
+                                <a:schemeClr val="bg1">
+                                  <a:lumMod val="50000"/>
+                                </a:schemeClr>
+                              </a:solidFill>
+                              <a:latin typeface="Cambria Math" panose="02040503050406030204" pitchFamily="18" charset="0"/>
+                            </a:rPr>
+                            <m:t>𝑖</m:t>
+                          </m:r>
+                          <m:r>
+                            <a:rPr lang="de-DE" b="0" i="1" smtClean="0">
+                              <a:solidFill>
+                                <a:schemeClr val="bg1">
+                                  <a:lumMod val="50000"/>
+                                </a:schemeClr>
+                              </a:solidFill>
+                              <a:latin typeface="Cambria Math" panose="02040503050406030204" pitchFamily="18" charset="0"/>
+                            </a:rPr>
+                            <m:t>=1</m:t>
+                          </m:r>
+                        </m:sub>
+                        <m:sup>
+                          <m:r>
+                            <a:rPr lang="de-DE" b="0" i="1" smtClean="0">
+                              <a:solidFill>
+                                <a:schemeClr val="bg1">
+                                  <a:lumMod val="50000"/>
+                                </a:schemeClr>
+                              </a:solidFill>
+                              <a:latin typeface="Cambria Math" panose="02040503050406030204" pitchFamily="18" charset="0"/>
+                            </a:rPr>
+                            <m:t>5 </m:t>
+                          </m:r>
+                          <m:r>
+                            <m:rPr>
+                              <m:sty m:val="p"/>
+                            </m:rPr>
+                            <a:rPr lang="de-DE" b="0" i="1" smtClean="0">
+                              <a:solidFill>
+                                <a:schemeClr val="bg1">
+                                  <a:lumMod val="50000"/>
+                                </a:schemeClr>
+                              </a:solidFill>
+                              <a:latin typeface="Cambria Math" panose="02040503050406030204" pitchFamily="18" charset="0"/>
+                            </a:rPr>
+                            <m:t>mod</m:t>
+                          </m:r>
+                          <m:r>
+                            <a:rPr lang="de-DE" b="0" i="1" smtClean="0">
+                              <a:solidFill>
+                                <a:schemeClr val="bg1">
+                                  <a:lumMod val="50000"/>
+                                </a:schemeClr>
+                              </a:solidFill>
+                              <a:latin typeface="Cambria Math" panose="02040503050406030204" pitchFamily="18" charset="0"/>
+                            </a:rPr>
+                            <m:t> </m:t>
+                          </m:r>
+                          <m:d>
+                            <m:dPr>
+                              <m:ctrlPr>
+                                <a:rPr lang="de-DE" b="0" i="1" smtClean="0">
+                                  <a:solidFill>
+                                    <a:schemeClr val="bg1">
+                                      <a:lumMod val="50000"/>
+                                    </a:schemeClr>
+                                  </a:solidFill>
+                                  <a:latin typeface="Cambria Math" panose="02040503050406030204" pitchFamily="18" charset="0"/>
+                                </a:rPr>
+                              </m:ctrlPr>
+                            </m:dPr>
+                            <m:e>
+                              <m:r>
+                                <a:rPr lang="de-DE" b="0" i="1" smtClean="0">
+                                  <a:solidFill>
+                                    <a:schemeClr val="bg1">
+                                      <a:lumMod val="50000"/>
+                                    </a:schemeClr>
+                                  </a:solidFill>
+                                  <a:latin typeface="Cambria Math" panose="02040503050406030204" pitchFamily="18" charset="0"/>
+                                </a:rPr>
+                                <m:t>2</m:t>
+                              </m:r>
+                              <m:r>
+                                <a:rPr lang="de-DE" b="0" i="1" smtClean="0">
+                                  <a:solidFill>
+                                    <a:schemeClr val="bg1">
+                                      <a:lumMod val="50000"/>
+                                    </a:schemeClr>
+                                  </a:solidFill>
+                                  <a:latin typeface="Cambria Math" panose="02040503050406030204" pitchFamily="18" charset="0"/>
+                                </a:rPr>
+                                <m:t>+1</m:t>
+                              </m:r>
+                            </m:e>
+                          </m:d>
+                          <m:r>
+                            <a:rPr lang="de-DE" b="0" i="1" smtClean="0">
+                              <a:solidFill>
+                                <a:schemeClr val="bg1">
+                                  <a:lumMod val="50000"/>
+                                </a:schemeClr>
+                              </a:solidFill>
+                              <a:latin typeface="Cambria Math" panose="02040503050406030204" pitchFamily="18" charset="0"/>
+                            </a:rPr>
+                            <m:t>−1</m:t>
+                          </m:r>
+                        </m:sup>
+                        <m:e>
+                          <m:r>
+                            <a:rPr lang="de-DE" b="0" i="1" smtClean="0">
+                              <a:solidFill>
+                                <a:schemeClr val="bg1">
+                                  <a:lumMod val="50000"/>
+                                </a:schemeClr>
+                              </a:solidFill>
+                              <a:latin typeface="Cambria Math" panose="02040503050406030204" pitchFamily="18" charset="0"/>
+                            </a:rPr>
+                            <m:t>𝑖</m:t>
+                          </m:r>
+                        </m:e>
+                      </m:nary>
+                      <m:r>
+                        <a:rPr lang="de-DE" b="0" i="1" smtClean="0">
+                          <a:solidFill>
+                            <a:schemeClr val="bg1">
+                              <a:lumMod val="50000"/>
+                            </a:schemeClr>
+                          </a:solidFill>
+                          <a:latin typeface="Cambria Math" panose="02040503050406030204" pitchFamily="18" charset="0"/>
+                        </a:rPr>
+                        <m:t>=</m:t>
+                      </m:r>
+                      <m:f>
+                        <m:fPr>
+                          <m:ctrlPr>
+                            <a:rPr lang="de-DE" b="0" i="1" smtClean="0">
+                              <a:solidFill>
+                                <a:schemeClr val="bg1">
+                                  <a:lumMod val="50000"/>
+                                </a:schemeClr>
+                              </a:solidFill>
+                              <a:latin typeface="Cambria Math" panose="02040503050406030204" pitchFamily="18" charset="0"/>
+                            </a:rPr>
+                          </m:ctrlPr>
+                        </m:fPr>
+                        <m:num>
+                          <m:r>
+                            <a:rPr lang="de-DE" b="0" i="1" smtClean="0">
+                              <a:solidFill>
+                                <a:schemeClr val="bg1">
+                                  <a:lumMod val="50000"/>
+                                </a:schemeClr>
+                              </a:solidFill>
+                              <a:latin typeface="Cambria Math" panose="02040503050406030204" pitchFamily="18" charset="0"/>
+                            </a:rPr>
+                            <m:t>5</m:t>
+                          </m:r>
+                        </m:num>
+                        <m:den>
+                          <m:r>
+                            <a:rPr lang="de-DE" b="0" i="1" smtClean="0">
+                              <a:solidFill>
+                                <a:schemeClr val="bg1">
+                                  <a:lumMod val="50000"/>
+                                </a:schemeClr>
+                              </a:solidFill>
+                              <a:latin typeface="Cambria Math" panose="02040503050406030204" pitchFamily="18" charset="0"/>
+                            </a:rPr>
+                            <m:t>3</m:t>
+                          </m:r>
+                        </m:den>
+                      </m:f>
+                      <m:r>
+                        <a:rPr lang="de-DE" b="0" i="1" smtClean="0">
+                          <a:solidFill>
+                            <a:schemeClr val="bg1">
+                              <a:lumMod val="50000"/>
+                            </a:schemeClr>
+                          </a:solidFill>
+                          <a:latin typeface="Cambria Math" panose="02040503050406030204" pitchFamily="18" charset="0"/>
+                        </a:rPr>
+                        <m:t>+</m:t>
+                      </m:r>
+                      <m:f>
+                        <m:fPr>
+                          <m:ctrlPr>
+                            <a:rPr lang="de-DE" b="0" i="1" smtClean="0">
+                              <a:solidFill>
+                                <a:schemeClr val="bg1">
+                                  <a:lumMod val="50000"/>
+                                </a:schemeClr>
+                              </a:solidFill>
+                              <a:latin typeface="Cambria Math" panose="02040503050406030204" pitchFamily="18" charset="0"/>
+                            </a:rPr>
+                          </m:ctrlPr>
+                        </m:fPr>
+                        <m:num>
+                          <m:r>
+                            <a:rPr lang="de-DE" b="0" i="1" smtClean="0">
+                              <a:solidFill>
+                                <a:schemeClr val="bg1">
+                                  <a:lumMod val="50000"/>
+                                </a:schemeClr>
+                              </a:solidFill>
+                              <a:latin typeface="Cambria Math" panose="02040503050406030204" pitchFamily="18" charset="0"/>
+                            </a:rPr>
+                            <m:t>10</m:t>
+                          </m:r>
+                        </m:num>
+                        <m:den>
+                          <m:r>
+                            <a:rPr lang="de-DE" b="0" i="1" smtClean="0">
+                              <a:solidFill>
+                                <a:schemeClr val="bg1">
+                                  <a:lumMod val="50000"/>
+                                </a:schemeClr>
+                              </a:solidFill>
+                              <a:latin typeface="Cambria Math" panose="02040503050406030204" pitchFamily="18" charset="0"/>
+                            </a:rPr>
+                            <m:t>3</m:t>
+                          </m:r>
+                        </m:den>
+                      </m:f>
+                      <m:r>
+                        <a:rPr lang="de-DE" b="0" i="1" smtClean="0">
+                          <a:solidFill>
+                            <a:schemeClr val="bg1">
+                              <a:lumMod val="50000"/>
+                            </a:schemeClr>
+                          </a:solidFill>
+                          <a:latin typeface="Cambria Math" panose="02040503050406030204" pitchFamily="18" charset="0"/>
+                        </a:rPr>
+                        <m:t>+1=5+1=6</m:t>
+                      </m:r>
+                    </m:oMath>
+                  </m:oMathPara>
+                </a14:m>
+                <a:endParaRPr lang="de-DE" dirty="0">
+                  <a:solidFill>
+                    <a:schemeClr val="bg1">
+                      <a:lumMod val="50000"/>
+                    </a:schemeClr>
+                  </a:solidFill>
+                </a:endParaRPr>
+              </a:p>
+            </p:txBody>
+          </p:sp>
+        </mc:Choice>
+        <mc:Fallback>
+          <p:sp>
+            <p:nvSpPr>
+              <p:cNvPr id="68" name="Textfeld 67"/>
+              <p:cNvSpPr txBox="1">
+                <a:spLocks noRot="1" noChangeAspect="1" noMove="1" noResize="1" noEditPoints="1" noAdjustHandles="1" noChangeArrowheads="1" noChangeShapeType="1" noTextEdit="1"/>
+              </p:cNvSpPr>
+              <p:nvPr/>
+            </p:nvSpPr>
+            <p:spPr>
+              <a:xfrm>
+                <a:off x="6561052" y="5140875"/>
+                <a:ext cx="5295168" cy="798232"/>
+              </a:xfrm>
+              <a:prstGeom prst="rect">
+                <a:avLst/>
+              </a:prstGeom>
+              <a:blipFill rotWithShape="0">
+                <a:blip r:embed="rId3"/>
+                <a:stretch>
+                  <a:fillRect/>
+                </a:stretch>
+              </a:blipFill>
+            </p:spPr>
+            <p:txBody>
+              <a:bodyPr/>
+              <a:lstStyle/>
+              <a:p>
+                <a:r>
+                  <a:rPr lang="de-DE">
+                    <a:noFill/>
+                  </a:rPr>
+                  <a:t> </a:t>
+                </a:r>
+              </a:p>
+            </p:txBody>
+          </p:sp>
+        </mc:Fallback>
+      </mc:AlternateContent>
+      <p:sp>
+        <p:nvSpPr>
+          <p:cNvPr id="69" name="Gewitterblitz 68"/>
+          <p:cNvSpPr/>
+          <p:nvPr/>
+        </p:nvSpPr>
+        <p:spPr>
+          <a:xfrm>
+            <a:off x="6096485" y="5140875"/>
+            <a:ext cx="287986" cy="798232"/>
+          </a:xfrm>
+          <a:prstGeom prst="lightningBolt">
+            <a:avLst/>
+          </a:prstGeom>
+          <a:solidFill>
+            <a:srgbClr val="FFC000"/>
+          </a:solidFill>
+          <a:ln>
+            <a:solidFill>
+              <a:srgbClr val="C00000"/>
+            </a:solidFill>
+          </a:ln>
+        </p:spPr>
+        <p:style>
+          <a:lnRef idx="2">
+            <a:schemeClr val="accent1">
+              <a:shade val="50000"/>
+            </a:schemeClr>
+          </a:lnRef>
+          <a:fillRef idx="1">
+            <a:schemeClr val="accent1"/>
+          </a:fillRef>
+          <a:effectRef idx="0">
+            <a:schemeClr val="accent1"/>
+          </a:effectRef>
+          <a:fontRef idx="minor">
+            <a:schemeClr val="lt1"/>
+          </a:fontRef>
+        </p:style>
+        <p:txBody>
+          <a:bodyPr rtlCol="0" anchor="ctr"/>
+          <a:lstStyle/>
+          <a:p>
+            <a:pPr algn="ctr"/>
+            <a:endParaRPr lang="de-DE"/>
+          </a:p>
+        </p:txBody>
+      </p:sp>
+    </p:spTree>
+    <p:extLst>
+      <p:ext uri="{BB962C8B-B14F-4D97-AF65-F5344CB8AC3E}">
+        <p14:creationId xmlns:p14="http://schemas.microsoft.com/office/powerpoint/2010/main" val="2297499252"/>
       </p:ext>
     </p:extLst>
   </p:cSld>
